--- a/Python_Dev/Python Intermediário/Material Python/2- Dicionários em Python.pptx
+++ b/Python_Dev/Python Intermediário/Material Python/2- Dicionários em Python.pptx
@@ -10,6 +10,8 @@
     <p:sldId id="288" r:id="rId4"/>
     <p:sldId id="279" r:id="rId5"/>
     <p:sldId id="289" r:id="rId6"/>
+    <p:sldId id="290" r:id="rId7"/>
+    <p:sldId id="291" r:id="rId8"/>
   </p:sldIdLst>
   <p:sldSz cx="12192000" cy="6858000"/>
   <p:notesSz cx="6858000" cy="9144000"/>
@@ -1328,7 +1330,7 @@
             <a:fld id="{9334D819-9F07-4261-B09B-9E467E5D9002}" type="datetimeFigureOut">
               <a:rPr lang="en-US" dirty="0"/>
               <a:pPr/>
-              <a:t>5/22/2024</a:t>
+              <a:t>5/24/2024</a:t>
             </a:fld>
             <a:endParaRPr lang="en-US" dirty="0"/>
           </a:p>
@@ -1562,7 +1564,7 @@
           <a:p>
             <a:fld id="{9334D819-9F07-4261-B09B-9E467E5D9002}" type="datetimeFigureOut">
               <a:rPr lang="en-US" dirty="0"/>
-              <a:t>5/22/2024</a:t>
+              <a:t>5/24/2024</a:t>
             </a:fld>
             <a:endParaRPr lang="en-US" dirty="0"/>
           </a:p>
@@ -1737,7 +1739,7 @@
           <a:p>
             <a:fld id="{9334D819-9F07-4261-B09B-9E467E5D9002}" type="datetimeFigureOut">
               <a:rPr lang="en-US" dirty="0"/>
-              <a:t>5/22/2024</a:t>
+              <a:t>5/24/2024</a:t>
             </a:fld>
             <a:endParaRPr lang="en-US" dirty="0"/>
           </a:p>
@@ -1902,7 +1904,7 @@
           <a:p>
             <a:fld id="{9334D819-9F07-4261-B09B-9E467E5D9002}" type="datetimeFigureOut">
               <a:rPr lang="en-US" dirty="0"/>
-              <a:t>5/22/2024</a:t>
+              <a:t>5/24/2024</a:t>
             </a:fld>
             <a:endParaRPr lang="en-US" dirty="0"/>
           </a:p>
@@ -2174,7 +2176,7 @@
             <a:fld id="{9334D819-9F07-4261-B09B-9E467E5D9002}" type="datetimeFigureOut">
               <a:rPr lang="en-US" dirty="0"/>
               <a:pPr/>
-              <a:t>5/22/2024</a:t>
+              <a:t>5/24/2024</a:t>
             </a:fld>
             <a:endParaRPr lang="en-US" dirty="0"/>
           </a:p>
@@ -3371,7 +3373,7 @@
           <a:p>
             <a:fld id="{9334D819-9F07-4261-B09B-9E467E5D9002}" type="datetimeFigureOut">
               <a:rPr lang="en-US" dirty="0"/>
-              <a:t>5/22/2024</a:t>
+              <a:t>5/24/2024</a:t>
             </a:fld>
             <a:endParaRPr lang="en-US" dirty="0"/>
           </a:p>
@@ -3756,7 +3758,7 @@
           <a:p>
             <a:fld id="{9334D819-9F07-4261-B09B-9E467E5D9002}" type="datetimeFigureOut">
               <a:rPr lang="en-US" dirty="0"/>
-              <a:t>5/22/2024</a:t>
+              <a:t>5/24/2024</a:t>
             </a:fld>
             <a:endParaRPr lang="en-US" dirty="0"/>
           </a:p>
@@ -3874,7 +3876,7 @@
           <a:p>
             <a:fld id="{9334D819-9F07-4261-B09B-9E467E5D9002}" type="datetimeFigureOut">
               <a:rPr lang="en-US" dirty="0"/>
-              <a:t>5/22/2024</a:t>
+              <a:t>5/24/2024</a:t>
             </a:fld>
             <a:endParaRPr lang="en-US" dirty="0"/>
           </a:p>
@@ -3964,7 +3966,7 @@
           <a:p>
             <a:fld id="{9334D819-9F07-4261-B09B-9E467E5D9002}" type="datetimeFigureOut">
               <a:rPr lang="en-US" dirty="0"/>
-              <a:t>5/22/2024</a:t>
+              <a:t>5/24/2024</a:t>
             </a:fld>
             <a:endParaRPr lang="en-US" dirty="0"/>
           </a:p>
@@ -4722,7 +4724,7 @@
           <a:p>
             <a:fld id="{9334D819-9F07-4261-B09B-9E467E5D9002}" type="datetimeFigureOut">
               <a:rPr lang="en-US" dirty="0"/>
-              <a:t>5/22/2024</a:t>
+              <a:t>5/24/2024</a:t>
             </a:fld>
             <a:endParaRPr lang="en-US" dirty="0"/>
           </a:p>
@@ -5557,7 +5559,7 @@
           <a:p>
             <a:fld id="{9334D819-9F07-4261-B09B-9E467E5D9002}" type="datetimeFigureOut">
               <a:rPr lang="en-US" dirty="0"/>
-              <a:t>5/22/2024</a:t>
+              <a:t>5/24/2024</a:t>
             </a:fld>
             <a:endParaRPr lang="en-US" dirty="0"/>
           </a:p>
@@ -5780,7 +5782,7 @@
             <a:fld id="{9334D819-9F07-4261-B09B-9E467E5D9002}" type="datetimeFigureOut">
               <a:rPr lang="en-US" dirty="0"/>
               <a:pPr/>
-              <a:t>5/22/2024</a:t>
+              <a:t>5/24/2024</a:t>
             </a:fld>
             <a:endParaRPr lang="en-US" dirty="0"/>
           </a:p>
@@ -9665,6 +9667,1126 @@
 </p:sld>
 </file>
 
+<file path=ppt/slides/slide6.xml><?xml version="1.0" encoding="utf-8"?>
+<p:sld xmlns:a="http://schemas.openxmlformats.org/drawingml/2006/main" xmlns:r="http://schemas.openxmlformats.org/officeDocument/2006/relationships" xmlns:p="http://schemas.openxmlformats.org/presentationml/2006/main">
+  <p:cSld>
+    <p:bg>
+      <p:bgPr>
+        <a:solidFill>
+          <a:schemeClr val="bg1"/>
+        </a:solidFill>
+        <a:effectLst/>
+      </p:bgPr>
+    </p:bg>
+    <p:spTree>
+      <p:nvGrpSpPr>
+        <p:cNvPr id="1" name=""/>
+        <p:cNvGrpSpPr/>
+        <p:nvPr/>
+      </p:nvGrpSpPr>
+      <p:grpSpPr>
+        <a:xfrm>
+          <a:off x="0" y="0"/>
+          <a:ext cx="0" cy="0"/>
+          <a:chOff x="0" y="0"/>
+          <a:chExt cx="0" cy="0"/>
+        </a:xfrm>
+      </p:grpSpPr>
+      <p:sp>
+        <p:nvSpPr>
+          <p:cNvPr id="2" name="Título 1">
+            <a:extLst>
+              <a:ext uri="{FF2B5EF4-FFF2-40B4-BE49-F238E27FC236}">
+                <a16:creationId xmlns:a16="http://schemas.microsoft.com/office/drawing/2014/main" id="{59EF76D7-57CE-811C-03EE-829282E83626}"/>
+              </a:ext>
+            </a:extLst>
+          </p:cNvPr>
+          <p:cNvSpPr>
+            <a:spLocks noGrp="1"/>
+          </p:cNvSpPr>
+          <p:nvPr>
+            <p:ph type="title"/>
+          </p:nvPr>
+        </p:nvSpPr>
+        <p:spPr>
+          <a:xfrm>
+            <a:off x="1327877" y="2781701"/>
+            <a:ext cx="4357499" cy="1320855"/>
+          </a:xfrm>
+        </p:spPr>
+        <p:txBody>
+          <a:bodyPr>
+            <a:normAutofit/>
+          </a:bodyPr>
+          <a:lstStyle/>
+          <a:p>
+            <a:pPr algn="ctr"/>
+            <a:r>
+              <a:rPr lang="pt-BR" sz="4400" dirty="0"/>
+              <a:t>Métodos Úteis Dicionários</a:t>
+            </a:r>
+          </a:p>
+        </p:txBody>
+      </p:sp>
+      <p:pic>
+        <p:nvPicPr>
+          <p:cNvPr id="7" name="Graphic 6" descr="Livros">
+            <a:extLst>
+              <a:ext uri="{FF2B5EF4-FFF2-40B4-BE49-F238E27FC236}">
+                <a16:creationId xmlns:a16="http://schemas.microsoft.com/office/drawing/2014/main" id="{B02CB9E4-30D5-4E6B-F35E-A66253F5D49A}"/>
+              </a:ext>
+            </a:extLst>
+          </p:cNvPr>
+          <p:cNvPicPr>
+            <a:picLocks noChangeAspect="1"/>
+          </p:cNvPicPr>
+          <p:nvPr/>
+        </p:nvPicPr>
+        <p:blipFill>
+          <a:blip r:embed="rId2">
+            <a:extLst>
+              <a:ext uri="{28A0092B-C50C-407E-A947-70E740481C1C}">
+                <a14:useLocalDpi xmlns:a14="http://schemas.microsoft.com/office/drawing/2010/main" val="0"/>
+              </a:ext>
+              <a:ext uri="{96DAC541-7B7A-43D3-8B79-37D633B846F1}">
+                <asvg:svgBlip xmlns:asvg="http://schemas.microsoft.com/office/drawing/2016/SVG/main" r:embed="rId3"/>
+              </a:ext>
+            </a:extLst>
+          </a:blip>
+          <a:stretch>
+            <a:fillRect/>
+          </a:stretch>
+        </p:blipFill>
+        <p:spPr>
+          <a:xfrm>
+            <a:off x="6098193" y="853757"/>
+            <a:ext cx="5176744" cy="5176744"/>
+          </a:xfrm>
+          <a:prstGeom prst="rect">
+            <a:avLst/>
+          </a:prstGeom>
+        </p:spPr>
+      </p:pic>
+      <p:pic>
+        <p:nvPicPr>
+          <p:cNvPr id="4" name="Picture 2">
+            <a:extLst>
+              <a:ext uri="{FF2B5EF4-FFF2-40B4-BE49-F238E27FC236}">
+                <a16:creationId xmlns:a16="http://schemas.microsoft.com/office/drawing/2014/main" id="{43D250CE-CA0A-1DBE-5473-57E2BFC842A1}"/>
+              </a:ext>
+            </a:extLst>
+          </p:cNvPr>
+          <p:cNvPicPr>
+            <a:picLocks noChangeAspect="1" noChangeArrowheads="1"/>
+          </p:cNvPicPr>
+          <p:nvPr/>
+        </p:nvPicPr>
+        <p:blipFill>
+          <a:blip r:embed="rId4">
+            <a:extLst>
+              <a:ext uri="{28A0092B-C50C-407E-A947-70E740481C1C}">
+                <a14:useLocalDpi xmlns:a14="http://schemas.microsoft.com/office/drawing/2010/main" val="0"/>
+              </a:ext>
+            </a:extLst>
+          </a:blip>
+          <a:srcRect/>
+          <a:stretch>
+            <a:fillRect/>
+          </a:stretch>
+        </p:blipFill>
+        <p:spPr bwMode="auto">
+          <a:xfrm>
+            <a:off x="0" y="130686"/>
+            <a:ext cx="659802" cy="723071"/>
+          </a:xfrm>
+          <a:prstGeom prst="rect">
+            <a:avLst/>
+          </a:prstGeom>
+          <a:noFill/>
+          <a:extLst>
+            <a:ext uri="{909E8E84-426E-40DD-AFC4-6F175D3DCCD1}">
+              <a14:hiddenFill xmlns:a14="http://schemas.microsoft.com/office/drawing/2010/main">
+                <a:solidFill>
+                  <a:srgbClr val="FFFFFF"/>
+                </a:solidFill>
+              </a14:hiddenFill>
+            </a:ext>
+          </a:extLst>
+        </p:spPr>
+      </p:pic>
+    </p:spTree>
+    <p:extLst>
+      <p:ext uri="{BB962C8B-B14F-4D97-AF65-F5344CB8AC3E}">
+        <p14:creationId xmlns:p14="http://schemas.microsoft.com/office/powerpoint/2010/main" val="2809950870"/>
+      </p:ext>
+    </p:extLst>
+  </p:cSld>
+  <p:clrMapOvr>
+    <a:masterClrMapping/>
+  </p:clrMapOvr>
+</p:sld>
+</file>
+
+<file path=ppt/slides/slide7.xml><?xml version="1.0" encoding="utf-8"?>
+<p:sld xmlns:a="http://schemas.openxmlformats.org/drawingml/2006/main" xmlns:r="http://schemas.openxmlformats.org/officeDocument/2006/relationships" xmlns:p="http://schemas.openxmlformats.org/presentationml/2006/main" showMasterSp="0">
+  <p:cSld>
+    <p:bg>
+      <p:bgPr>
+        <a:solidFill>
+          <a:schemeClr val="bg2">
+            <a:lumMod val="10000"/>
+          </a:schemeClr>
+        </a:solidFill>
+        <a:effectLst/>
+      </p:bgPr>
+    </p:bg>
+    <p:spTree>
+      <p:nvGrpSpPr>
+        <p:cNvPr id="1" name=""/>
+        <p:cNvGrpSpPr/>
+        <p:nvPr/>
+      </p:nvGrpSpPr>
+      <p:grpSpPr>
+        <a:xfrm>
+          <a:off x="0" y="0"/>
+          <a:ext cx="0" cy="0"/>
+          <a:chOff x="0" y="0"/>
+          <a:chExt cx="0" cy="0"/>
+        </a:xfrm>
+      </p:grpSpPr>
+      <p:sp>
+        <p:nvSpPr>
+          <p:cNvPr id="2" name="Título 1">
+            <a:extLst>
+              <a:ext uri="{FF2B5EF4-FFF2-40B4-BE49-F238E27FC236}">
+                <a16:creationId xmlns:a16="http://schemas.microsoft.com/office/drawing/2014/main" id="{83C6E063-9BFE-06CE-C9BC-5EE9CCAE3D29}"/>
+              </a:ext>
+            </a:extLst>
+          </p:cNvPr>
+          <p:cNvSpPr>
+            <a:spLocks noGrp="1"/>
+          </p:cNvSpPr>
+          <p:nvPr>
+            <p:ph type="title"/>
+          </p:nvPr>
+        </p:nvSpPr>
+        <p:spPr/>
+        <p:txBody>
+          <a:bodyPr/>
+          <a:lstStyle/>
+          <a:p>
+            <a:r>
+              <a:rPr lang="pt-BR" dirty="0"/>
+              <a:t>Aula 12	</a:t>
+            </a:r>
+          </a:p>
+        </p:txBody>
+      </p:sp>
+      <p:pic>
+        <p:nvPicPr>
+          <p:cNvPr id="1026" name="Picture 2">
+            <a:extLst>
+              <a:ext uri="{FF2B5EF4-FFF2-40B4-BE49-F238E27FC236}">
+                <a16:creationId xmlns:a16="http://schemas.microsoft.com/office/drawing/2014/main" id="{BFCC1361-CFA5-41DC-9639-9812D7C04FC8}"/>
+              </a:ext>
+            </a:extLst>
+          </p:cNvPr>
+          <p:cNvPicPr>
+            <a:picLocks noChangeAspect="1" noChangeArrowheads="1"/>
+          </p:cNvPicPr>
+          <p:nvPr/>
+        </p:nvPicPr>
+        <p:blipFill>
+          <a:blip r:embed="rId2">
+            <a:extLst>
+              <a:ext uri="{28A0092B-C50C-407E-A947-70E740481C1C}">
+                <a14:useLocalDpi xmlns:a14="http://schemas.microsoft.com/office/drawing/2010/main" val="0"/>
+              </a:ext>
+            </a:extLst>
+          </a:blip>
+          <a:srcRect/>
+          <a:stretch>
+            <a:fillRect/>
+          </a:stretch>
+        </p:blipFill>
+        <p:spPr bwMode="auto">
+          <a:xfrm>
+            <a:off x="102198" y="20849"/>
+            <a:ext cx="659802" cy="723071"/>
+          </a:xfrm>
+          <a:prstGeom prst="rect">
+            <a:avLst/>
+          </a:prstGeom>
+          <a:noFill/>
+          <a:extLst>
+            <a:ext uri="{909E8E84-426E-40DD-AFC4-6F175D3DCCD1}">
+              <a14:hiddenFill xmlns:a14="http://schemas.microsoft.com/office/drawing/2010/main">
+                <a:solidFill>
+                  <a:srgbClr val="FFFFFF"/>
+                </a:solidFill>
+              </a14:hiddenFill>
+            </a:ext>
+          </a:extLst>
+        </p:spPr>
+      </p:pic>
+      <p:sp>
+        <p:nvSpPr>
+          <p:cNvPr id="4" name="CaixaDeTexto 3">
+            <a:extLst>
+              <a:ext uri="{FF2B5EF4-FFF2-40B4-BE49-F238E27FC236}">
+                <a16:creationId xmlns:a16="http://schemas.microsoft.com/office/drawing/2014/main" id="{37604F6D-5F82-7389-AF79-BB0DC4F081E8}"/>
+              </a:ext>
+            </a:extLst>
+          </p:cNvPr>
+          <p:cNvSpPr txBox="1"/>
+          <p:nvPr/>
+        </p:nvSpPr>
+        <p:spPr>
+          <a:xfrm>
+            <a:off x="1251678" y="1663065"/>
+            <a:ext cx="7991475" cy="1477328"/>
+          </a:xfrm>
+          <a:prstGeom prst="rect">
+            <a:avLst/>
+          </a:prstGeom>
+          <a:noFill/>
+        </p:spPr>
+        <p:txBody>
+          <a:bodyPr wrap="square">
+            <a:spAutoFit/>
+          </a:bodyPr>
+          <a:lstStyle/>
+          <a:p>
+            <a:r>
+              <a:rPr lang="pt-BR" b="0" dirty="0">
+                <a:solidFill>
+                  <a:srgbClr val="D1D4E0"/>
+                </a:solidFill>
+                <a:effectLst/>
+                <a:highlight>
+                  <a:srgbClr val="1B1D28"/>
+                </a:highlight>
+                <a:latin typeface="Consolas" panose="020B0609020204030204" pitchFamily="49" charset="0"/>
+              </a:rPr>
+              <a:t>pessoa </a:t>
+            </a:r>
+            <a:r>
+              <a:rPr lang="pt-BR" b="0" dirty="0">
+                <a:solidFill>
+                  <a:srgbClr val="F269B9"/>
+                </a:solidFill>
+                <a:effectLst/>
+                <a:highlight>
+                  <a:srgbClr val="1B1D28"/>
+                </a:highlight>
+                <a:latin typeface="Consolas" panose="020B0609020204030204" pitchFamily="49" charset="0"/>
+              </a:rPr>
+              <a:t>=</a:t>
+            </a:r>
+            <a:r>
+              <a:rPr lang="pt-BR" b="0" dirty="0">
+                <a:solidFill>
+                  <a:srgbClr val="D1D4E0"/>
+                </a:solidFill>
+                <a:effectLst/>
+                <a:highlight>
+                  <a:srgbClr val="1B1D28"/>
+                </a:highlight>
+                <a:latin typeface="Consolas" panose="020B0609020204030204" pitchFamily="49" charset="0"/>
+              </a:rPr>
+              <a:t> {</a:t>
+            </a:r>
+          </a:p>
+          <a:p>
+            <a:r>
+              <a:rPr lang="pt-BR" b="0" dirty="0">
+                <a:solidFill>
+                  <a:srgbClr val="D1D4E0"/>
+                </a:solidFill>
+                <a:effectLst/>
+                <a:highlight>
+                  <a:srgbClr val="1B1D28"/>
+                </a:highlight>
+                <a:latin typeface="Consolas" panose="020B0609020204030204" pitchFamily="49" charset="0"/>
+              </a:rPr>
+              <a:t>    </a:t>
+            </a:r>
+            <a:r>
+              <a:rPr lang="pt-BR" b="0" dirty="0">
+                <a:solidFill>
+                  <a:srgbClr val="E0E97C"/>
+                </a:solidFill>
+                <a:effectLst/>
+                <a:highlight>
+                  <a:srgbClr val="1B1D28"/>
+                </a:highlight>
+                <a:latin typeface="Consolas" panose="020B0609020204030204" pitchFamily="49" charset="0"/>
+              </a:rPr>
+              <a:t>'nome'</a:t>
+            </a:r>
+            <a:r>
+              <a:rPr lang="pt-BR" b="0" dirty="0">
+                <a:solidFill>
+                  <a:srgbClr val="D1D4E0"/>
+                </a:solidFill>
+                <a:effectLst/>
+                <a:highlight>
+                  <a:srgbClr val="1B1D28"/>
+                </a:highlight>
+                <a:latin typeface="Consolas" panose="020B0609020204030204" pitchFamily="49" charset="0"/>
+              </a:rPr>
+              <a:t>: </a:t>
+            </a:r>
+            <a:r>
+              <a:rPr lang="pt-BR" b="0" dirty="0">
+                <a:solidFill>
+                  <a:srgbClr val="E0E97C"/>
+                </a:solidFill>
+                <a:effectLst/>
+                <a:highlight>
+                  <a:srgbClr val="1B1D28"/>
+                </a:highlight>
+                <a:latin typeface="Consolas" panose="020B0609020204030204" pitchFamily="49" charset="0"/>
+              </a:rPr>
+              <a:t>'Fábio Henrique'</a:t>
+            </a:r>
+            <a:r>
+              <a:rPr lang="pt-BR" b="0" dirty="0">
+                <a:solidFill>
+                  <a:srgbClr val="D1D4E0"/>
+                </a:solidFill>
+                <a:effectLst/>
+                <a:highlight>
+                  <a:srgbClr val="1B1D28"/>
+                </a:highlight>
+                <a:latin typeface="Consolas" panose="020B0609020204030204" pitchFamily="49" charset="0"/>
+              </a:rPr>
+              <a:t>,</a:t>
+            </a:r>
+          </a:p>
+          <a:p>
+            <a:r>
+              <a:rPr lang="pt-BR" b="0" dirty="0">
+                <a:solidFill>
+                  <a:srgbClr val="D1D4E0"/>
+                </a:solidFill>
+                <a:effectLst/>
+                <a:highlight>
+                  <a:srgbClr val="1B1D28"/>
+                </a:highlight>
+                <a:latin typeface="Consolas" panose="020B0609020204030204" pitchFamily="49" charset="0"/>
+              </a:rPr>
+              <a:t>    </a:t>
+            </a:r>
+            <a:r>
+              <a:rPr lang="pt-BR" b="0" dirty="0">
+                <a:solidFill>
+                  <a:srgbClr val="E0E97C"/>
+                </a:solidFill>
+                <a:effectLst/>
+                <a:highlight>
+                  <a:srgbClr val="1B1D28"/>
+                </a:highlight>
+                <a:latin typeface="Consolas" panose="020B0609020204030204" pitchFamily="49" charset="0"/>
+              </a:rPr>
+              <a:t>'sobrenome'</a:t>
+            </a:r>
+            <a:r>
+              <a:rPr lang="pt-BR" b="0" dirty="0">
+                <a:solidFill>
+                  <a:srgbClr val="D1D4E0"/>
+                </a:solidFill>
+                <a:effectLst/>
+                <a:highlight>
+                  <a:srgbClr val="1B1D28"/>
+                </a:highlight>
+                <a:latin typeface="Consolas" panose="020B0609020204030204" pitchFamily="49" charset="0"/>
+              </a:rPr>
+              <a:t>: </a:t>
+            </a:r>
+            <a:r>
+              <a:rPr lang="pt-BR" b="0" dirty="0">
+                <a:solidFill>
+                  <a:srgbClr val="E0E97C"/>
+                </a:solidFill>
+                <a:effectLst/>
+                <a:highlight>
+                  <a:srgbClr val="1B1D28"/>
+                </a:highlight>
+                <a:latin typeface="Consolas" panose="020B0609020204030204" pitchFamily="49" charset="0"/>
+              </a:rPr>
+              <a:t>'Trevezane'</a:t>
+            </a:r>
+            <a:r>
+              <a:rPr lang="pt-BR" b="0" dirty="0">
+                <a:solidFill>
+                  <a:srgbClr val="D1D4E0"/>
+                </a:solidFill>
+                <a:effectLst/>
+                <a:highlight>
+                  <a:srgbClr val="1B1D28"/>
+                </a:highlight>
+                <a:latin typeface="Consolas" panose="020B0609020204030204" pitchFamily="49" charset="0"/>
+              </a:rPr>
+              <a:t>,</a:t>
+            </a:r>
+          </a:p>
+          <a:p>
+            <a:r>
+              <a:rPr lang="pt-BR" b="0" dirty="0">
+                <a:solidFill>
+                  <a:srgbClr val="D1D4E0"/>
+                </a:solidFill>
+                <a:effectLst/>
+                <a:highlight>
+                  <a:srgbClr val="1B1D28"/>
+                </a:highlight>
+                <a:latin typeface="Consolas" panose="020B0609020204030204" pitchFamily="49" charset="0"/>
+              </a:rPr>
+              <a:t>    </a:t>
+            </a:r>
+            <a:r>
+              <a:rPr lang="pt-BR" b="0" dirty="0">
+                <a:solidFill>
+                  <a:srgbClr val="E0E97C"/>
+                </a:solidFill>
+                <a:effectLst/>
+                <a:highlight>
+                  <a:srgbClr val="1B1D28"/>
+                </a:highlight>
+                <a:latin typeface="Consolas" panose="020B0609020204030204" pitchFamily="49" charset="0"/>
+              </a:rPr>
+              <a:t>'idade'</a:t>
+            </a:r>
+            <a:r>
+              <a:rPr lang="pt-BR" b="0" dirty="0">
+                <a:solidFill>
+                  <a:srgbClr val="D1D4E0"/>
+                </a:solidFill>
+                <a:effectLst/>
+                <a:highlight>
+                  <a:srgbClr val="1B1D28"/>
+                </a:highlight>
+                <a:latin typeface="Consolas" panose="020B0609020204030204" pitchFamily="49" charset="0"/>
+              </a:rPr>
+              <a:t>: </a:t>
+            </a:r>
+            <a:r>
+              <a:rPr lang="pt-BR" b="0" dirty="0">
+                <a:solidFill>
+                  <a:srgbClr val="AF86EB"/>
+                </a:solidFill>
+                <a:effectLst/>
+                <a:highlight>
+                  <a:srgbClr val="1B1D28"/>
+                </a:highlight>
+                <a:latin typeface="Consolas" panose="020B0609020204030204" pitchFamily="49" charset="0"/>
+              </a:rPr>
+              <a:t>32</a:t>
+            </a:r>
+            <a:r>
+              <a:rPr lang="pt-BR" b="0" dirty="0">
+                <a:solidFill>
+                  <a:srgbClr val="D1D4E0"/>
+                </a:solidFill>
+                <a:effectLst/>
+                <a:highlight>
+                  <a:srgbClr val="1B1D28"/>
+                </a:highlight>
+                <a:latin typeface="Consolas" panose="020B0609020204030204" pitchFamily="49" charset="0"/>
+              </a:rPr>
+              <a:t>,</a:t>
+            </a:r>
+          </a:p>
+          <a:p>
+            <a:r>
+              <a:rPr lang="pt-BR" b="0" dirty="0">
+                <a:solidFill>
+                  <a:srgbClr val="D1D4E0"/>
+                </a:solidFill>
+                <a:effectLst/>
+                <a:highlight>
+                  <a:srgbClr val="1B1D28"/>
+                </a:highlight>
+                <a:latin typeface="Consolas" panose="020B0609020204030204" pitchFamily="49" charset="0"/>
+              </a:rPr>
+              <a:t>}</a:t>
+            </a:r>
+          </a:p>
+        </p:txBody>
+      </p:sp>
+      <p:sp>
+        <p:nvSpPr>
+          <p:cNvPr id="7" name="CaixaDeTexto 6">
+            <a:extLst>
+              <a:ext uri="{FF2B5EF4-FFF2-40B4-BE49-F238E27FC236}">
+                <a16:creationId xmlns:a16="http://schemas.microsoft.com/office/drawing/2014/main" id="{7ED79568-2FF1-2F47-4950-8360FDE170DE}"/>
+              </a:ext>
+            </a:extLst>
+          </p:cNvPr>
+          <p:cNvSpPr txBox="1"/>
+          <p:nvPr/>
+        </p:nvSpPr>
+        <p:spPr>
+          <a:xfrm>
+            <a:off x="1251678" y="3637108"/>
+            <a:ext cx="6097554" cy="2308324"/>
+          </a:xfrm>
+          <a:prstGeom prst="rect">
+            <a:avLst/>
+          </a:prstGeom>
+          <a:noFill/>
+        </p:spPr>
+        <p:txBody>
+          <a:bodyPr wrap="square">
+            <a:spAutoFit/>
+          </a:bodyPr>
+          <a:lstStyle/>
+          <a:p>
+            <a:r>
+              <a:rPr lang="pt-BR" b="0" dirty="0">
+                <a:solidFill>
+                  <a:srgbClr val="606890"/>
+                </a:solidFill>
+                <a:effectLst/>
+                <a:highlight>
+                  <a:srgbClr val="1B1D28"/>
+                </a:highlight>
+                <a:latin typeface="Consolas" panose="020B0609020204030204" pitchFamily="49" charset="0"/>
+              </a:rPr>
+              <a:t># Imprime valores de dentro do dicionário</a:t>
+            </a:r>
+            <a:endParaRPr lang="pt-BR" b="0" dirty="0">
+              <a:solidFill>
+                <a:srgbClr val="D1D4E0"/>
+              </a:solidFill>
+              <a:effectLst/>
+              <a:highlight>
+                <a:srgbClr val="1B1D28"/>
+              </a:highlight>
+              <a:latin typeface="Consolas" panose="020B0609020204030204" pitchFamily="49" charset="0"/>
+            </a:endParaRPr>
+          </a:p>
+          <a:p>
+            <a:r>
+              <a:rPr lang="pt-BR" b="0" dirty="0">
+                <a:solidFill>
+                  <a:srgbClr val="F269B9"/>
+                </a:solidFill>
+                <a:effectLst/>
+                <a:highlight>
+                  <a:srgbClr val="1B1D28"/>
+                </a:highlight>
+                <a:latin typeface="Consolas" panose="020B0609020204030204" pitchFamily="49" charset="0"/>
+              </a:rPr>
+              <a:t>for</a:t>
+            </a:r>
+            <a:r>
+              <a:rPr lang="pt-BR" b="0" dirty="0">
+                <a:solidFill>
+                  <a:srgbClr val="D1D4E0"/>
+                </a:solidFill>
+                <a:effectLst/>
+                <a:highlight>
+                  <a:srgbClr val="1B1D28"/>
+                </a:highlight>
+                <a:latin typeface="Consolas" panose="020B0609020204030204" pitchFamily="49" charset="0"/>
+              </a:rPr>
+              <a:t> valor </a:t>
+            </a:r>
+            <a:r>
+              <a:rPr lang="pt-BR" b="0" dirty="0">
+                <a:solidFill>
+                  <a:srgbClr val="AF86EB"/>
+                </a:solidFill>
+                <a:effectLst/>
+                <a:highlight>
+                  <a:srgbClr val="1B1D28"/>
+                </a:highlight>
+                <a:latin typeface="Consolas" panose="020B0609020204030204" pitchFamily="49" charset="0"/>
+              </a:rPr>
+              <a:t>in</a:t>
+            </a:r>
+            <a:r>
+              <a:rPr lang="pt-BR" b="0" dirty="0">
+                <a:solidFill>
+                  <a:srgbClr val="D1D4E0"/>
+                </a:solidFill>
+                <a:effectLst/>
+                <a:highlight>
+                  <a:srgbClr val="1B1D28"/>
+                </a:highlight>
+                <a:latin typeface="Consolas" panose="020B0609020204030204" pitchFamily="49" charset="0"/>
+              </a:rPr>
+              <a:t> </a:t>
+            </a:r>
+            <a:r>
+              <a:rPr lang="pt-BR" b="0" dirty="0" err="1">
+                <a:solidFill>
+                  <a:srgbClr val="D1D4E0"/>
+                </a:solidFill>
+                <a:effectLst/>
+                <a:highlight>
+                  <a:srgbClr val="1B1D28"/>
+                </a:highlight>
+                <a:latin typeface="Consolas" panose="020B0609020204030204" pitchFamily="49" charset="0"/>
+              </a:rPr>
+              <a:t>pessoa.</a:t>
+            </a:r>
+            <a:r>
+              <a:rPr lang="pt-BR" b="0" dirty="0" err="1">
+                <a:solidFill>
+                  <a:srgbClr val="2DE266"/>
+                </a:solidFill>
+                <a:effectLst/>
+                <a:highlight>
+                  <a:srgbClr val="1B1D28"/>
+                </a:highlight>
+                <a:latin typeface="Consolas" panose="020B0609020204030204" pitchFamily="49" charset="0"/>
+              </a:rPr>
+              <a:t>values</a:t>
+            </a:r>
+            <a:r>
+              <a:rPr lang="pt-BR" b="0" dirty="0">
+                <a:solidFill>
+                  <a:srgbClr val="D1D4E0"/>
+                </a:solidFill>
+                <a:effectLst/>
+                <a:highlight>
+                  <a:srgbClr val="1B1D28"/>
+                </a:highlight>
+                <a:latin typeface="Consolas" panose="020B0609020204030204" pitchFamily="49" charset="0"/>
+              </a:rPr>
+              <a:t>():</a:t>
+            </a:r>
+          </a:p>
+          <a:p>
+            <a:r>
+              <a:rPr lang="pt-BR" b="0" dirty="0">
+                <a:solidFill>
+                  <a:srgbClr val="D1D4E0"/>
+                </a:solidFill>
+                <a:effectLst/>
+                <a:highlight>
+                  <a:srgbClr val="1B1D28"/>
+                </a:highlight>
+                <a:latin typeface="Consolas" panose="020B0609020204030204" pitchFamily="49" charset="0"/>
+              </a:rPr>
+              <a:t>    </a:t>
+            </a:r>
+            <a:r>
+              <a:rPr lang="pt-BR" b="0" dirty="0">
+                <a:solidFill>
+                  <a:srgbClr val="2DE266"/>
+                </a:solidFill>
+                <a:effectLst/>
+                <a:highlight>
+                  <a:srgbClr val="1B1D28"/>
+                </a:highlight>
+                <a:latin typeface="Consolas" panose="020B0609020204030204" pitchFamily="49" charset="0"/>
+              </a:rPr>
+              <a:t>print</a:t>
+            </a:r>
+            <a:r>
+              <a:rPr lang="pt-BR" b="0" dirty="0">
+                <a:solidFill>
+                  <a:srgbClr val="D1D4E0"/>
+                </a:solidFill>
+                <a:effectLst/>
+                <a:highlight>
+                  <a:srgbClr val="1B1D28"/>
+                </a:highlight>
+                <a:latin typeface="Consolas" panose="020B0609020204030204" pitchFamily="49" charset="0"/>
+              </a:rPr>
+              <a:t>(valor)</a:t>
+            </a:r>
+          </a:p>
+          <a:p>
+            <a:r>
+              <a:rPr lang="pt-BR" b="0" dirty="0">
+                <a:solidFill>
+                  <a:srgbClr val="2DE266"/>
+                </a:solidFill>
+                <a:effectLst/>
+                <a:highlight>
+                  <a:srgbClr val="1B1D28"/>
+                </a:highlight>
+                <a:latin typeface="Consolas" panose="020B0609020204030204" pitchFamily="49" charset="0"/>
+              </a:rPr>
+              <a:t>print</a:t>
+            </a:r>
+            <a:r>
+              <a:rPr lang="pt-BR" b="0" dirty="0">
+                <a:solidFill>
+                  <a:srgbClr val="D1D4E0"/>
+                </a:solidFill>
+                <a:effectLst/>
+                <a:highlight>
+                  <a:srgbClr val="1B1D28"/>
+                </a:highlight>
+                <a:latin typeface="Consolas" panose="020B0609020204030204" pitchFamily="49" charset="0"/>
+              </a:rPr>
+              <a:t>(</a:t>
+            </a:r>
+            <a:r>
+              <a:rPr lang="pt-BR" b="0" dirty="0">
+                <a:solidFill>
+                  <a:srgbClr val="AF86EB"/>
+                </a:solidFill>
+                <a:effectLst/>
+                <a:highlight>
+                  <a:srgbClr val="1B1D28"/>
+                </a:highlight>
+                <a:latin typeface="Consolas" panose="020B0609020204030204" pitchFamily="49" charset="0"/>
+              </a:rPr>
+              <a:t>10</a:t>
+            </a:r>
+            <a:r>
+              <a:rPr lang="pt-BR" b="0" dirty="0">
+                <a:solidFill>
+                  <a:srgbClr val="F269B9"/>
+                </a:solidFill>
+                <a:effectLst/>
+                <a:highlight>
+                  <a:srgbClr val="1B1D28"/>
+                </a:highlight>
+                <a:latin typeface="Consolas" panose="020B0609020204030204" pitchFamily="49" charset="0"/>
+              </a:rPr>
+              <a:t>*</a:t>
+            </a:r>
+            <a:r>
+              <a:rPr lang="pt-BR" b="0" dirty="0">
+                <a:solidFill>
+                  <a:srgbClr val="E0E97C"/>
+                </a:solidFill>
+                <a:effectLst/>
+                <a:highlight>
+                  <a:srgbClr val="1B1D28"/>
+                </a:highlight>
+                <a:latin typeface="Consolas" panose="020B0609020204030204" pitchFamily="49" charset="0"/>
+              </a:rPr>
+              <a:t>'-'</a:t>
+            </a:r>
+            <a:r>
+              <a:rPr lang="pt-BR" b="0" dirty="0">
+                <a:solidFill>
+                  <a:srgbClr val="D1D4E0"/>
+                </a:solidFill>
+                <a:effectLst/>
+                <a:highlight>
+                  <a:srgbClr val="1B1D28"/>
+                </a:highlight>
+                <a:latin typeface="Consolas" panose="020B0609020204030204" pitchFamily="49" charset="0"/>
+              </a:rPr>
+              <a:t>)</a:t>
+            </a:r>
+          </a:p>
+          <a:p>
+            <a:r>
+              <a:rPr lang="pt-BR" b="0" dirty="0">
+                <a:solidFill>
+                  <a:srgbClr val="606890"/>
+                </a:solidFill>
+                <a:effectLst/>
+                <a:highlight>
+                  <a:srgbClr val="1B1D28"/>
+                </a:highlight>
+                <a:latin typeface="Consolas" panose="020B0609020204030204" pitchFamily="49" charset="0"/>
+              </a:rPr>
+              <a:t># imprime a chave e valor do dicionário</a:t>
+            </a:r>
+            <a:endParaRPr lang="pt-BR" b="0" dirty="0">
+              <a:solidFill>
+                <a:srgbClr val="D1D4E0"/>
+              </a:solidFill>
+              <a:effectLst/>
+              <a:highlight>
+                <a:srgbClr val="1B1D28"/>
+              </a:highlight>
+              <a:latin typeface="Consolas" panose="020B0609020204030204" pitchFamily="49" charset="0"/>
+            </a:endParaRPr>
+          </a:p>
+          <a:p>
+            <a:r>
+              <a:rPr lang="pt-BR" b="0" dirty="0">
+                <a:solidFill>
+                  <a:srgbClr val="F269B9"/>
+                </a:solidFill>
+                <a:effectLst/>
+                <a:highlight>
+                  <a:srgbClr val="1B1D28"/>
+                </a:highlight>
+                <a:latin typeface="Consolas" panose="020B0609020204030204" pitchFamily="49" charset="0"/>
+              </a:rPr>
+              <a:t>for</a:t>
+            </a:r>
+            <a:r>
+              <a:rPr lang="pt-BR" b="0" dirty="0">
+                <a:solidFill>
+                  <a:srgbClr val="D1D4E0"/>
+                </a:solidFill>
+                <a:effectLst/>
+                <a:highlight>
+                  <a:srgbClr val="1B1D28"/>
+                </a:highlight>
+                <a:latin typeface="Consolas" panose="020B0609020204030204" pitchFamily="49" charset="0"/>
+              </a:rPr>
+              <a:t> chave, valor </a:t>
+            </a:r>
+            <a:r>
+              <a:rPr lang="pt-BR" b="0" dirty="0">
+                <a:solidFill>
+                  <a:srgbClr val="AF86EB"/>
+                </a:solidFill>
+                <a:effectLst/>
+                <a:highlight>
+                  <a:srgbClr val="1B1D28"/>
+                </a:highlight>
+                <a:latin typeface="Consolas" panose="020B0609020204030204" pitchFamily="49" charset="0"/>
+              </a:rPr>
+              <a:t>in</a:t>
+            </a:r>
+            <a:r>
+              <a:rPr lang="pt-BR" b="0" dirty="0">
+                <a:solidFill>
+                  <a:srgbClr val="D1D4E0"/>
+                </a:solidFill>
+                <a:effectLst/>
+                <a:highlight>
+                  <a:srgbClr val="1B1D28"/>
+                </a:highlight>
+                <a:latin typeface="Consolas" panose="020B0609020204030204" pitchFamily="49" charset="0"/>
+              </a:rPr>
+              <a:t> </a:t>
+            </a:r>
+            <a:r>
+              <a:rPr lang="pt-BR" b="0" dirty="0" err="1">
+                <a:solidFill>
+                  <a:srgbClr val="D1D4E0"/>
+                </a:solidFill>
+                <a:effectLst/>
+                <a:highlight>
+                  <a:srgbClr val="1B1D28"/>
+                </a:highlight>
+                <a:latin typeface="Consolas" panose="020B0609020204030204" pitchFamily="49" charset="0"/>
+              </a:rPr>
+              <a:t>pessoa.</a:t>
+            </a:r>
+            <a:r>
+              <a:rPr lang="pt-BR" b="0" dirty="0" err="1">
+                <a:solidFill>
+                  <a:srgbClr val="2DE266"/>
+                </a:solidFill>
+                <a:effectLst/>
+                <a:highlight>
+                  <a:srgbClr val="1B1D28"/>
+                </a:highlight>
+                <a:latin typeface="Consolas" panose="020B0609020204030204" pitchFamily="49" charset="0"/>
+              </a:rPr>
+              <a:t>items</a:t>
+            </a:r>
+            <a:r>
+              <a:rPr lang="pt-BR" b="0" dirty="0">
+                <a:solidFill>
+                  <a:srgbClr val="D1D4E0"/>
+                </a:solidFill>
+                <a:effectLst/>
+                <a:highlight>
+                  <a:srgbClr val="1B1D28"/>
+                </a:highlight>
+                <a:latin typeface="Consolas" panose="020B0609020204030204" pitchFamily="49" charset="0"/>
+              </a:rPr>
+              <a:t>():</a:t>
+            </a:r>
+          </a:p>
+          <a:p>
+            <a:r>
+              <a:rPr lang="pt-BR" b="0" dirty="0">
+                <a:solidFill>
+                  <a:srgbClr val="D1D4E0"/>
+                </a:solidFill>
+                <a:effectLst/>
+                <a:highlight>
+                  <a:srgbClr val="1B1D28"/>
+                </a:highlight>
+                <a:latin typeface="Consolas" panose="020B0609020204030204" pitchFamily="49" charset="0"/>
+              </a:rPr>
+              <a:t>    </a:t>
+            </a:r>
+            <a:r>
+              <a:rPr lang="pt-BR" b="0" dirty="0">
+                <a:solidFill>
+                  <a:srgbClr val="2DE266"/>
+                </a:solidFill>
+                <a:effectLst/>
+                <a:highlight>
+                  <a:srgbClr val="1B1D28"/>
+                </a:highlight>
+                <a:latin typeface="Consolas" panose="020B0609020204030204" pitchFamily="49" charset="0"/>
+              </a:rPr>
+              <a:t>print</a:t>
+            </a:r>
+            <a:r>
+              <a:rPr lang="pt-BR" b="0" dirty="0">
+                <a:solidFill>
+                  <a:srgbClr val="D1D4E0"/>
+                </a:solidFill>
+                <a:effectLst/>
+                <a:highlight>
+                  <a:srgbClr val="1B1D28"/>
+                </a:highlight>
+                <a:latin typeface="Consolas" panose="020B0609020204030204" pitchFamily="49" charset="0"/>
+              </a:rPr>
+              <a:t>(chave, valor)</a:t>
+            </a:r>
+          </a:p>
+          <a:p>
+            <a:r>
+              <a:rPr lang="pt-BR" b="0" dirty="0">
+                <a:solidFill>
+                  <a:srgbClr val="2DE266"/>
+                </a:solidFill>
+                <a:effectLst/>
+                <a:highlight>
+                  <a:srgbClr val="1B1D28"/>
+                </a:highlight>
+                <a:latin typeface="Consolas" panose="020B0609020204030204" pitchFamily="49" charset="0"/>
+              </a:rPr>
+              <a:t>print</a:t>
+            </a:r>
+            <a:r>
+              <a:rPr lang="pt-BR" b="0" dirty="0">
+                <a:solidFill>
+                  <a:srgbClr val="D1D4E0"/>
+                </a:solidFill>
+                <a:effectLst/>
+                <a:highlight>
+                  <a:srgbClr val="1B1D28"/>
+                </a:highlight>
+                <a:latin typeface="Consolas" panose="020B0609020204030204" pitchFamily="49" charset="0"/>
+              </a:rPr>
+              <a:t>(</a:t>
+            </a:r>
+            <a:r>
+              <a:rPr lang="pt-BR" b="0" dirty="0">
+                <a:solidFill>
+                  <a:srgbClr val="AF86EB"/>
+                </a:solidFill>
+                <a:effectLst/>
+                <a:highlight>
+                  <a:srgbClr val="1B1D28"/>
+                </a:highlight>
+                <a:latin typeface="Consolas" panose="020B0609020204030204" pitchFamily="49" charset="0"/>
+              </a:rPr>
+              <a:t>10</a:t>
+            </a:r>
+            <a:r>
+              <a:rPr lang="pt-BR" b="0" dirty="0">
+                <a:solidFill>
+                  <a:srgbClr val="F269B9"/>
+                </a:solidFill>
+                <a:effectLst/>
+                <a:highlight>
+                  <a:srgbClr val="1B1D28"/>
+                </a:highlight>
+                <a:latin typeface="Consolas" panose="020B0609020204030204" pitchFamily="49" charset="0"/>
+              </a:rPr>
+              <a:t>*</a:t>
+            </a:r>
+            <a:r>
+              <a:rPr lang="pt-BR" b="0" dirty="0">
+                <a:solidFill>
+                  <a:srgbClr val="E0E97C"/>
+                </a:solidFill>
+                <a:effectLst/>
+                <a:highlight>
+                  <a:srgbClr val="1B1D28"/>
+                </a:highlight>
+                <a:latin typeface="Consolas" panose="020B0609020204030204" pitchFamily="49" charset="0"/>
+              </a:rPr>
+              <a:t>'-'</a:t>
+            </a:r>
+            <a:r>
+              <a:rPr lang="pt-BR" b="0" dirty="0">
+                <a:solidFill>
+                  <a:srgbClr val="D1D4E0"/>
+                </a:solidFill>
+                <a:effectLst/>
+                <a:highlight>
+                  <a:srgbClr val="1B1D28"/>
+                </a:highlight>
+                <a:latin typeface="Consolas" panose="020B0609020204030204" pitchFamily="49" charset="0"/>
+              </a:rPr>
+              <a:t>)</a:t>
+            </a:r>
+          </a:p>
+        </p:txBody>
+      </p:sp>
+      <p:sp>
+        <p:nvSpPr>
+          <p:cNvPr id="8" name="Texto Explicativo: Linha 7">
+            <a:extLst>
+              <a:ext uri="{FF2B5EF4-FFF2-40B4-BE49-F238E27FC236}">
+                <a16:creationId xmlns:a16="http://schemas.microsoft.com/office/drawing/2014/main" id="{90955EF5-605C-DAFA-DAE1-04E52C1A3C58}"/>
+              </a:ext>
+            </a:extLst>
+          </p:cNvPr>
+          <p:cNvSpPr/>
+          <p:nvPr/>
+        </p:nvSpPr>
+        <p:spPr>
+          <a:xfrm>
+            <a:off x="9069355" y="2341984"/>
+            <a:ext cx="2705878" cy="2006081"/>
+          </a:xfrm>
+          <a:prstGeom prst="borderCallout1">
+            <a:avLst>
+              <a:gd name="adj1" fmla="val 18750"/>
+              <a:gd name="adj2" fmla="val -8333"/>
+              <a:gd name="adj3" fmla="val -7500"/>
+              <a:gd name="adj4" fmla="val -97643"/>
+            </a:avLst>
+          </a:prstGeom>
+        </p:spPr>
+        <p:style>
+          <a:lnRef idx="3">
+            <a:schemeClr val="lt1"/>
+          </a:lnRef>
+          <a:fillRef idx="1">
+            <a:schemeClr val="accent3"/>
+          </a:fillRef>
+          <a:effectRef idx="1">
+            <a:schemeClr val="accent3"/>
+          </a:effectRef>
+          <a:fontRef idx="minor">
+            <a:schemeClr val="lt1"/>
+          </a:fontRef>
+        </p:style>
+        <p:txBody>
+          <a:bodyPr rtlCol="0" anchor="ctr"/>
+          <a:lstStyle/>
+          <a:p>
+            <a:pPr algn="ctr"/>
+            <a:r>
+              <a:rPr lang="pt-BR" dirty="0"/>
+              <a:t>Aula 12 estão uma relação de exemplos de funções para utilizar em dicionários</a:t>
+            </a:r>
+          </a:p>
+        </p:txBody>
+      </p:sp>
+    </p:spTree>
+    <p:extLst>
+      <p:ext uri="{BB962C8B-B14F-4D97-AF65-F5344CB8AC3E}">
+        <p14:creationId xmlns:p14="http://schemas.microsoft.com/office/powerpoint/2010/main" val="1851535742"/>
+      </p:ext>
+    </p:extLst>
+  </p:cSld>
+  <p:clrMapOvr>
+    <a:masterClrMapping/>
+  </p:clrMapOvr>
+</p:sld>
+</file>
+
 <file path=ppt/theme/theme1.xml><?xml version="1.0" encoding="utf-8"?>
 <a:theme xmlns:a="http://schemas.openxmlformats.org/drawingml/2006/main" name="Selo">
   <a:themeElements>

--- a/Python_Dev/Python Intermediário/Material Python/2- Dicionários em Python.pptx
+++ b/Python_Dev/Python Intermediário/Material Python/2- Dicionários em Python.pptx
@@ -12,6 +12,8 @@
     <p:sldId id="289" r:id="rId6"/>
     <p:sldId id="290" r:id="rId7"/>
     <p:sldId id="291" r:id="rId8"/>
+    <p:sldId id="292" r:id="rId9"/>
+    <p:sldId id="293" r:id="rId10"/>
   </p:sldIdLst>
   <p:sldSz cx="12192000" cy="6858000"/>
   <p:notesSz cx="6858000" cy="9144000"/>
@@ -1330,7 +1332,7 @@
             <a:fld id="{9334D819-9F07-4261-B09B-9E467E5D9002}" type="datetimeFigureOut">
               <a:rPr lang="en-US" dirty="0"/>
               <a:pPr/>
-              <a:t>5/24/2024</a:t>
+              <a:t>5/25/2024</a:t>
             </a:fld>
             <a:endParaRPr lang="en-US" dirty="0"/>
           </a:p>
@@ -1564,7 +1566,7 @@
           <a:p>
             <a:fld id="{9334D819-9F07-4261-B09B-9E467E5D9002}" type="datetimeFigureOut">
               <a:rPr lang="en-US" dirty="0"/>
-              <a:t>5/24/2024</a:t>
+              <a:t>5/25/2024</a:t>
             </a:fld>
             <a:endParaRPr lang="en-US" dirty="0"/>
           </a:p>
@@ -1739,7 +1741,7 @@
           <a:p>
             <a:fld id="{9334D819-9F07-4261-B09B-9E467E5D9002}" type="datetimeFigureOut">
               <a:rPr lang="en-US" dirty="0"/>
-              <a:t>5/24/2024</a:t>
+              <a:t>5/25/2024</a:t>
             </a:fld>
             <a:endParaRPr lang="en-US" dirty="0"/>
           </a:p>
@@ -1904,7 +1906,7 @@
           <a:p>
             <a:fld id="{9334D819-9F07-4261-B09B-9E467E5D9002}" type="datetimeFigureOut">
               <a:rPr lang="en-US" dirty="0"/>
-              <a:t>5/24/2024</a:t>
+              <a:t>5/25/2024</a:t>
             </a:fld>
             <a:endParaRPr lang="en-US" dirty="0"/>
           </a:p>
@@ -2176,7 +2178,7 @@
             <a:fld id="{9334D819-9F07-4261-B09B-9E467E5D9002}" type="datetimeFigureOut">
               <a:rPr lang="en-US" dirty="0"/>
               <a:pPr/>
-              <a:t>5/24/2024</a:t>
+              <a:t>5/25/2024</a:t>
             </a:fld>
             <a:endParaRPr lang="en-US" dirty="0"/>
           </a:p>
@@ -3373,7 +3375,7 @@
           <a:p>
             <a:fld id="{9334D819-9F07-4261-B09B-9E467E5D9002}" type="datetimeFigureOut">
               <a:rPr lang="en-US" dirty="0"/>
-              <a:t>5/24/2024</a:t>
+              <a:t>5/25/2024</a:t>
             </a:fld>
             <a:endParaRPr lang="en-US" dirty="0"/>
           </a:p>
@@ -3758,7 +3760,7 @@
           <a:p>
             <a:fld id="{9334D819-9F07-4261-B09B-9E467E5D9002}" type="datetimeFigureOut">
               <a:rPr lang="en-US" dirty="0"/>
-              <a:t>5/24/2024</a:t>
+              <a:t>5/25/2024</a:t>
             </a:fld>
             <a:endParaRPr lang="en-US" dirty="0"/>
           </a:p>
@@ -3876,7 +3878,7 @@
           <a:p>
             <a:fld id="{9334D819-9F07-4261-B09B-9E467E5D9002}" type="datetimeFigureOut">
               <a:rPr lang="en-US" dirty="0"/>
-              <a:t>5/24/2024</a:t>
+              <a:t>5/25/2024</a:t>
             </a:fld>
             <a:endParaRPr lang="en-US" dirty="0"/>
           </a:p>
@@ -3966,7 +3968,7 @@
           <a:p>
             <a:fld id="{9334D819-9F07-4261-B09B-9E467E5D9002}" type="datetimeFigureOut">
               <a:rPr lang="en-US" dirty="0"/>
-              <a:t>5/24/2024</a:t>
+              <a:t>5/25/2024</a:t>
             </a:fld>
             <a:endParaRPr lang="en-US" dirty="0"/>
           </a:p>
@@ -4724,7 +4726,7 @@
           <a:p>
             <a:fld id="{9334D819-9F07-4261-B09B-9E467E5D9002}" type="datetimeFigureOut">
               <a:rPr lang="en-US" dirty="0"/>
-              <a:t>5/24/2024</a:t>
+              <a:t>5/25/2024</a:t>
             </a:fld>
             <a:endParaRPr lang="en-US" dirty="0"/>
           </a:p>
@@ -5559,7 +5561,7 @@
           <a:p>
             <a:fld id="{9334D819-9F07-4261-B09B-9E467E5D9002}" type="datetimeFigureOut">
               <a:rPr lang="en-US" dirty="0"/>
-              <a:t>5/24/2024</a:t>
+              <a:t>5/25/2024</a:t>
             </a:fld>
             <a:endParaRPr lang="en-US" dirty="0"/>
           </a:p>
@@ -5782,7 +5784,7 @@
             <a:fld id="{9334D819-9F07-4261-B09B-9E467E5D9002}" type="datetimeFigureOut">
               <a:rPr lang="en-US" dirty="0"/>
               <a:pPr/>
-              <a:t>5/24/2024</a:t>
+              <a:t>5/25/2024</a:t>
             </a:fld>
             <a:endParaRPr lang="en-US" dirty="0"/>
           </a:p>
@@ -10787,6 +10789,2377 @@
 </p:sld>
 </file>
 
+<file path=ppt/slides/slide8.xml><?xml version="1.0" encoding="utf-8"?>
+<p:sld xmlns:a="http://schemas.openxmlformats.org/drawingml/2006/main" xmlns:r="http://schemas.openxmlformats.org/officeDocument/2006/relationships" xmlns:p="http://schemas.openxmlformats.org/presentationml/2006/main" showMasterSp="0">
+  <p:cSld>
+    <p:bg>
+      <p:bgPr>
+        <a:solidFill>
+          <a:schemeClr val="bg2">
+            <a:lumMod val="10000"/>
+          </a:schemeClr>
+        </a:solidFill>
+        <a:effectLst/>
+      </p:bgPr>
+    </p:bg>
+    <p:spTree>
+      <p:nvGrpSpPr>
+        <p:cNvPr id="1" name=""/>
+        <p:cNvGrpSpPr/>
+        <p:nvPr/>
+      </p:nvGrpSpPr>
+      <p:grpSpPr>
+        <a:xfrm>
+          <a:off x="0" y="0"/>
+          <a:ext cx="0" cy="0"/>
+          <a:chOff x="0" y="0"/>
+          <a:chExt cx="0" cy="0"/>
+        </a:xfrm>
+      </p:grpSpPr>
+      <p:sp>
+        <p:nvSpPr>
+          <p:cNvPr id="2" name="Título 1">
+            <a:extLst>
+              <a:ext uri="{FF2B5EF4-FFF2-40B4-BE49-F238E27FC236}">
+                <a16:creationId xmlns:a16="http://schemas.microsoft.com/office/drawing/2014/main" id="{83C6E063-9BFE-06CE-C9BC-5EE9CCAE3D29}"/>
+              </a:ext>
+            </a:extLst>
+          </p:cNvPr>
+          <p:cNvSpPr>
+            <a:spLocks noGrp="1"/>
+          </p:cNvSpPr>
+          <p:nvPr>
+            <p:ph type="title"/>
+          </p:nvPr>
+        </p:nvSpPr>
+        <p:spPr/>
+        <p:txBody>
+          <a:bodyPr/>
+          <a:lstStyle/>
+          <a:p>
+            <a:r>
+              <a:rPr lang="pt-BR" dirty="0"/>
+              <a:t>Aula 13	</a:t>
+            </a:r>
+          </a:p>
+        </p:txBody>
+      </p:sp>
+      <p:pic>
+        <p:nvPicPr>
+          <p:cNvPr id="1026" name="Picture 2">
+            <a:extLst>
+              <a:ext uri="{FF2B5EF4-FFF2-40B4-BE49-F238E27FC236}">
+                <a16:creationId xmlns:a16="http://schemas.microsoft.com/office/drawing/2014/main" id="{BFCC1361-CFA5-41DC-9639-9812D7C04FC8}"/>
+              </a:ext>
+            </a:extLst>
+          </p:cNvPr>
+          <p:cNvPicPr>
+            <a:picLocks noChangeAspect="1" noChangeArrowheads="1"/>
+          </p:cNvPicPr>
+          <p:nvPr/>
+        </p:nvPicPr>
+        <p:blipFill>
+          <a:blip r:embed="rId2">
+            <a:extLst>
+              <a:ext uri="{28A0092B-C50C-407E-A947-70E740481C1C}">
+                <a14:useLocalDpi xmlns:a14="http://schemas.microsoft.com/office/drawing/2010/main" val="0"/>
+              </a:ext>
+            </a:extLst>
+          </a:blip>
+          <a:srcRect/>
+          <a:stretch>
+            <a:fillRect/>
+          </a:stretch>
+        </p:blipFill>
+        <p:spPr bwMode="auto">
+          <a:xfrm>
+            <a:off x="102198" y="20849"/>
+            <a:ext cx="659802" cy="723071"/>
+          </a:xfrm>
+          <a:prstGeom prst="rect">
+            <a:avLst/>
+          </a:prstGeom>
+          <a:noFill/>
+          <a:extLst>
+            <a:ext uri="{909E8E84-426E-40DD-AFC4-6F175D3DCCD1}">
+              <a14:hiddenFill xmlns:a14="http://schemas.microsoft.com/office/drawing/2010/main">
+                <a:solidFill>
+                  <a:srgbClr val="FFFFFF"/>
+                </a:solidFill>
+              </a14:hiddenFill>
+            </a:ext>
+          </a:extLst>
+        </p:spPr>
+      </p:pic>
+      <p:sp>
+        <p:nvSpPr>
+          <p:cNvPr id="8" name="Texto Explicativo: Linha 7">
+            <a:extLst>
+              <a:ext uri="{FF2B5EF4-FFF2-40B4-BE49-F238E27FC236}">
+                <a16:creationId xmlns:a16="http://schemas.microsoft.com/office/drawing/2014/main" id="{90955EF5-605C-DAFA-DAE1-04E52C1A3C58}"/>
+              </a:ext>
+            </a:extLst>
+          </p:cNvPr>
+          <p:cNvSpPr/>
+          <p:nvPr/>
+        </p:nvSpPr>
+        <p:spPr>
+          <a:xfrm>
+            <a:off x="9069355" y="2341984"/>
+            <a:ext cx="2705878" cy="2006081"/>
+          </a:xfrm>
+          <a:prstGeom prst="borderCallout1">
+            <a:avLst>
+              <a:gd name="adj1" fmla="val 48517"/>
+              <a:gd name="adj2" fmla="val -7643"/>
+              <a:gd name="adj3" fmla="val 75756"/>
+              <a:gd name="adj4" fmla="val -41781"/>
+            </a:avLst>
+          </a:prstGeom>
+        </p:spPr>
+        <p:style>
+          <a:lnRef idx="3">
+            <a:schemeClr val="lt1"/>
+          </a:lnRef>
+          <a:fillRef idx="1">
+            <a:schemeClr val="accent3"/>
+          </a:fillRef>
+          <a:effectRef idx="1">
+            <a:schemeClr val="accent3"/>
+          </a:effectRef>
+          <a:fontRef idx="minor">
+            <a:schemeClr val="lt1"/>
+          </a:fontRef>
+        </p:style>
+        <p:txBody>
+          <a:bodyPr rtlCol="0" anchor="ctr"/>
+          <a:lstStyle/>
+          <a:p>
+            <a:pPr algn="ctr"/>
+            <a:r>
+              <a:rPr lang="pt-BR" dirty="0"/>
+              <a:t>Copiando dados de um dicionário</a:t>
+            </a:r>
+          </a:p>
+        </p:txBody>
+      </p:sp>
+      <p:sp>
+        <p:nvSpPr>
+          <p:cNvPr id="5" name="CaixaDeTexto 4">
+            <a:extLst>
+              <a:ext uri="{FF2B5EF4-FFF2-40B4-BE49-F238E27FC236}">
+                <a16:creationId xmlns:a16="http://schemas.microsoft.com/office/drawing/2014/main" id="{E0FB4C41-19AD-CC0F-5C60-45AE9FBEC0C9}"/>
+              </a:ext>
+            </a:extLst>
+          </p:cNvPr>
+          <p:cNvSpPr txBox="1"/>
+          <p:nvPr/>
+        </p:nvSpPr>
+        <p:spPr>
+          <a:xfrm>
+            <a:off x="1275962" y="1263850"/>
+            <a:ext cx="9146332" cy="5416868"/>
+          </a:xfrm>
+          <a:prstGeom prst="rect">
+            <a:avLst/>
+          </a:prstGeom>
+          <a:noFill/>
+        </p:spPr>
+        <p:txBody>
+          <a:bodyPr wrap="square">
+            <a:spAutoFit/>
+          </a:bodyPr>
+          <a:lstStyle/>
+          <a:p>
+            <a:r>
+              <a:rPr lang="pt-BR" sz="1600" b="0" dirty="0" err="1">
+                <a:solidFill>
+                  <a:srgbClr val="F269B9"/>
+                </a:solidFill>
+                <a:effectLst/>
+                <a:highlight>
+                  <a:srgbClr val="1B1D28"/>
+                </a:highlight>
+                <a:latin typeface="Consolas" panose="020B0609020204030204" pitchFamily="49" charset="0"/>
+              </a:rPr>
+              <a:t>import</a:t>
+            </a:r>
+            <a:r>
+              <a:rPr lang="pt-BR" sz="1600" b="0" dirty="0">
+                <a:solidFill>
+                  <a:srgbClr val="D1D4E0"/>
+                </a:solidFill>
+                <a:effectLst/>
+                <a:highlight>
+                  <a:srgbClr val="1B1D28"/>
+                </a:highlight>
+                <a:latin typeface="Consolas" panose="020B0609020204030204" pitchFamily="49" charset="0"/>
+              </a:rPr>
+              <a:t> copy</a:t>
+            </a:r>
+          </a:p>
+          <a:p>
+            <a:br>
+              <a:rPr lang="pt-BR" sz="1600" b="0" dirty="0">
+                <a:solidFill>
+                  <a:srgbClr val="D1D4E0"/>
+                </a:solidFill>
+                <a:effectLst/>
+                <a:highlight>
+                  <a:srgbClr val="1B1D28"/>
+                </a:highlight>
+                <a:latin typeface="Consolas" panose="020B0609020204030204" pitchFamily="49" charset="0"/>
+              </a:rPr>
+            </a:br>
+            <a:r>
+              <a:rPr lang="pt-BR" sz="1600" b="0" dirty="0">
+                <a:solidFill>
+                  <a:srgbClr val="606890"/>
+                </a:solidFill>
+                <a:effectLst/>
+                <a:highlight>
+                  <a:srgbClr val="1B1D28"/>
+                </a:highlight>
+                <a:latin typeface="Consolas" panose="020B0609020204030204" pitchFamily="49" charset="0"/>
+              </a:rPr>
+              <a:t># Criando um dicionário original</a:t>
+            </a:r>
+            <a:endParaRPr lang="pt-BR" sz="1600" b="0" dirty="0">
+              <a:solidFill>
+                <a:srgbClr val="D1D4E0"/>
+              </a:solidFill>
+              <a:effectLst/>
+              <a:highlight>
+                <a:srgbClr val="1B1D28"/>
+              </a:highlight>
+              <a:latin typeface="Consolas" panose="020B0609020204030204" pitchFamily="49" charset="0"/>
+            </a:endParaRPr>
+          </a:p>
+          <a:p>
+            <a:r>
+              <a:rPr lang="pt-BR" sz="1600" b="0" dirty="0" err="1">
+                <a:solidFill>
+                  <a:srgbClr val="D1D4E0"/>
+                </a:solidFill>
+                <a:effectLst/>
+                <a:highlight>
+                  <a:srgbClr val="1B1D28"/>
+                </a:highlight>
+                <a:latin typeface="Consolas" panose="020B0609020204030204" pitchFamily="49" charset="0"/>
+              </a:rPr>
+              <a:t>original_dict</a:t>
+            </a:r>
+            <a:r>
+              <a:rPr lang="pt-BR" sz="1600" b="0" dirty="0">
+                <a:solidFill>
+                  <a:srgbClr val="D1D4E0"/>
+                </a:solidFill>
+                <a:effectLst/>
+                <a:highlight>
+                  <a:srgbClr val="1B1D28"/>
+                </a:highlight>
+                <a:latin typeface="Consolas" panose="020B0609020204030204" pitchFamily="49" charset="0"/>
+              </a:rPr>
+              <a:t> </a:t>
+            </a:r>
+            <a:r>
+              <a:rPr lang="pt-BR" sz="1600" b="0" dirty="0">
+                <a:solidFill>
+                  <a:srgbClr val="F269B9"/>
+                </a:solidFill>
+                <a:effectLst/>
+                <a:highlight>
+                  <a:srgbClr val="1B1D28"/>
+                </a:highlight>
+                <a:latin typeface="Consolas" panose="020B0609020204030204" pitchFamily="49" charset="0"/>
+              </a:rPr>
+              <a:t>=</a:t>
+            </a:r>
+            <a:r>
+              <a:rPr lang="pt-BR" sz="1600" b="0" dirty="0">
+                <a:solidFill>
+                  <a:srgbClr val="D1D4E0"/>
+                </a:solidFill>
+                <a:effectLst/>
+                <a:highlight>
+                  <a:srgbClr val="1B1D28"/>
+                </a:highlight>
+                <a:latin typeface="Consolas" panose="020B0609020204030204" pitchFamily="49" charset="0"/>
+              </a:rPr>
+              <a:t> {</a:t>
+            </a:r>
+          </a:p>
+          <a:p>
+            <a:r>
+              <a:rPr lang="pt-BR" sz="1600" b="0" dirty="0">
+                <a:solidFill>
+                  <a:srgbClr val="D1D4E0"/>
+                </a:solidFill>
+                <a:effectLst/>
+                <a:highlight>
+                  <a:srgbClr val="1B1D28"/>
+                </a:highlight>
+                <a:latin typeface="Consolas" panose="020B0609020204030204" pitchFamily="49" charset="0"/>
+              </a:rPr>
+              <a:t>    </a:t>
+            </a:r>
+            <a:r>
+              <a:rPr lang="pt-BR" sz="1600" b="0" dirty="0">
+                <a:solidFill>
+                  <a:srgbClr val="E0E97C"/>
+                </a:solidFill>
+                <a:effectLst/>
+                <a:highlight>
+                  <a:srgbClr val="1B1D28"/>
+                </a:highlight>
+                <a:latin typeface="Consolas" panose="020B0609020204030204" pitchFamily="49" charset="0"/>
+              </a:rPr>
+              <a:t>'key1'</a:t>
+            </a:r>
+            <a:r>
+              <a:rPr lang="pt-BR" sz="1600" b="0" dirty="0">
+                <a:solidFill>
+                  <a:srgbClr val="D1D4E0"/>
+                </a:solidFill>
+                <a:effectLst/>
+                <a:highlight>
+                  <a:srgbClr val="1B1D28"/>
+                </a:highlight>
+                <a:latin typeface="Consolas" panose="020B0609020204030204" pitchFamily="49" charset="0"/>
+              </a:rPr>
+              <a:t>: </a:t>
+            </a:r>
+            <a:r>
+              <a:rPr lang="pt-BR" sz="1600" b="0" dirty="0">
+                <a:solidFill>
+                  <a:srgbClr val="AF86EB"/>
+                </a:solidFill>
+                <a:effectLst/>
+                <a:highlight>
+                  <a:srgbClr val="1B1D28"/>
+                </a:highlight>
+                <a:latin typeface="Consolas" panose="020B0609020204030204" pitchFamily="49" charset="0"/>
+              </a:rPr>
+              <a:t>1</a:t>
+            </a:r>
+            <a:r>
+              <a:rPr lang="pt-BR" sz="1600" b="0" dirty="0">
+                <a:solidFill>
+                  <a:srgbClr val="D1D4E0"/>
+                </a:solidFill>
+                <a:effectLst/>
+                <a:highlight>
+                  <a:srgbClr val="1B1D28"/>
+                </a:highlight>
+                <a:latin typeface="Consolas" panose="020B0609020204030204" pitchFamily="49" charset="0"/>
+              </a:rPr>
+              <a:t>,</a:t>
+            </a:r>
+          </a:p>
+          <a:p>
+            <a:r>
+              <a:rPr lang="pt-BR" sz="1600" b="0" dirty="0">
+                <a:solidFill>
+                  <a:srgbClr val="D1D4E0"/>
+                </a:solidFill>
+                <a:effectLst/>
+                <a:highlight>
+                  <a:srgbClr val="1B1D28"/>
+                </a:highlight>
+                <a:latin typeface="Consolas" panose="020B0609020204030204" pitchFamily="49" charset="0"/>
+              </a:rPr>
+              <a:t>    </a:t>
+            </a:r>
+            <a:r>
+              <a:rPr lang="pt-BR" sz="1600" b="0" dirty="0">
+                <a:solidFill>
+                  <a:srgbClr val="E0E97C"/>
+                </a:solidFill>
+                <a:effectLst/>
+                <a:highlight>
+                  <a:srgbClr val="1B1D28"/>
+                </a:highlight>
+                <a:latin typeface="Consolas" panose="020B0609020204030204" pitchFamily="49" charset="0"/>
+              </a:rPr>
+              <a:t>'key2'</a:t>
+            </a:r>
+            <a:r>
+              <a:rPr lang="pt-BR" sz="1600" b="0" dirty="0">
+                <a:solidFill>
+                  <a:srgbClr val="D1D4E0"/>
+                </a:solidFill>
+                <a:effectLst/>
+                <a:highlight>
+                  <a:srgbClr val="1B1D28"/>
+                </a:highlight>
+                <a:latin typeface="Consolas" panose="020B0609020204030204" pitchFamily="49" charset="0"/>
+              </a:rPr>
+              <a:t>: </a:t>
+            </a:r>
+            <a:r>
+              <a:rPr lang="pt-BR" sz="1600" b="0" dirty="0">
+                <a:solidFill>
+                  <a:srgbClr val="AF86EB"/>
+                </a:solidFill>
+                <a:effectLst/>
+                <a:highlight>
+                  <a:srgbClr val="1B1D28"/>
+                </a:highlight>
+                <a:latin typeface="Consolas" panose="020B0609020204030204" pitchFamily="49" charset="0"/>
+              </a:rPr>
+              <a:t>2</a:t>
+            </a:r>
+            <a:r>
+              <a:rPr lang="pt-BR" sz="1600" b="0" dirty="0">
+                <a:solidFill>
+                  <a:srgbClr val="D1D4E0"/>
+                </a:solidFill>
+                <a:effectLst/>
+                <a:highlight>
+                  <a:srgbClr val="1B1D28"/>
+                </a:highlight>
+                <a:latin typeface="Consolas" panose="020B0609020204030204" pitchFamily="49" charset="0"/>
+              </a:rPr>
+              <a:t>,</a:t>
+            </a:r>
+          </a:p>
+          <a:p>
+            <a:r>
+              <a:rPr lang="pt-BR" sz="1600" b="0" dirty="0">
+                <a:solidFill>
+                  <a:srgbClr val="D1D4E0"/>
+                </a:solidFill>
+                <a:effectLst/>
+                <a:highlight>
+                  <a:srgbClr val="1B1D28"/>
+                </a:highlight>
+                <a:latin typeface="Consolas" panose="020B0609020204030204" pitchFamily="49" charset="0"/>
+              </a:rPr>
+              <a:t>    </a:t>
+            </a:r>
+            <a:r>
+              <a:rPr lang="pt-BR" sz="1600" b="0" dirty="0">
+                <a:solidFill>
+                  <a:srgbClr val="E0E97C"/>
+                </a:solidFill>
+                <a:effectLst/>
+                <a:highlight>
+                  <a:srgbClr val="1B1D28"/>
+                </a:highlight>
+                <a:latin typeface="Consolas" panose="020B0609020204030204" pitchFamily="49" charset="0"/>
+              </a:rPr>
+              <a:t>'</a:t>
+            </a:r>
+            <a:r>
+              <a:rPr lang="pt-BR" sz="1600" b="0" dirty="0" err="1">
+                <a:solidFill>
+                  <a:srgbClr val="E0E97C"/>
+                </a:solidFill>
+                <a:effectLst/>
+                <a:highlight>
+                  <a:srgbClr val="1B1D28"/>
+                </a:highlight>
+                <a:latin typeface="Consolas" panose="020B0609020204030204" pitchFamily="49" charset="0"/>
+              </a:rPr>
+              <a:t>list_key</a:t>
+            </a:r>
+            <a:r>
+              <a:rPr lang="pt-BR" sz="1600" b="0" dirty="0">
+                <a:solidFill>
+                  <a:srgbClr val="E0E97C"/>
+                </a:solidFill>
+                <a:effectLst/>
+                <a:highlight>
+                  <a:srgbClr val="1B1D28"/>
+                </a:highlight>
+                <a:latin typeface="Consolas" panose="020B0609020204030204" pitchFamily="49" charset="0"/>
+              </a:rPr>
+              <a:t>'</a:t>
+            </a:r>
+            <a:r>
+              <a:rPr lang="pt-BR" sz="1600" b="0" dirty="0">
+                <a:solidFill>
+                  <a:srgbClr val="D1D4E0"/>
+                </a:solidFill>
+                <a:effectLst/>
+                <a:highlight>
+                  <a:srgbClr val="1B1D28"/>
+                </a:highlight>
+                <a:latin typeface="Consolas" panose="020B0609020204030204" pitchFamily="49" charset="0"/>
+              </a:rPr>
+              <a:t>: [</a:t>
+            </a:r>
+            <a:r>
+              <a:rPr lang="pt-BR" sz="1600" b="0" dirty="0">
+                <a:solidFill>
+                  <a:srgbClr val="AF86EB"/>
+                </a:solidFill>
+                <a:effectLst/>
+                <a:highlight>
+                  <a:srgbClr val="1B1D28"/>
+                </a:highlight>
+                <a:latin typeface="Consolas" panose="020B0609020204030204" pitchFamily="49" charset="0"/>
+              </a:rPr>
+              <a:t>0</a:t>
+            </a:r>
+            <a:r>
+              <a:rPr lang="pt-BR" sz="1600" b="0" dirty="0">
+                <a:solidFill>
+                  <a:srgbClr val="D1D4E0"/>
+                </a:solidFill>
+                <a:effectLst/>
+                <a:highlight>
+                  <a:srgbClr val="1B1D28"/>
+                </a:highlight>
+                <a:latin typeface="Consolas" panose="020B0609020204030204" pitchFamily="49" charset="0"/>
+              </a:rPr>
+              <a:t>, </a:t>
+            </a:r>
+            <a:r>
+              <a:rPr lang="pt-BR" sz="1600" b="0" dirty="0">
+                <a:solidFill>
+                  <a:srgbClr val="AF86EB"/>
+                </a:solidFill>
+                <a:effectLst/>
+                <a:highlight>
+                  <a:srgbClr val="1B1D28"/>
+                </a:highlight>
+                <a:latin typeface="Consolas" panose="020B0609020204030204" pitchFamily="49" charset="0"/>
+              </a:rPr>
+              <a:t>1</a:t>
+            </a:r>
+            <a:r>
+              <a:rPr lang="pt-BR" sz="1600" b="0" dirty="0">
+                <a:solidFill>
+                  <a:srgbClr val="D1D4E0"/>
+                </a:solidFill>
+                <a:effectLst/>
+                <a:highlight>
+                  <a:srgbClr val="1B1D28"/>
+                </a:highlight>
+                <a:latin typeface="Consolas" panose="020B0609020204030204" pitchFamily="49" charset="0"/>
+              </a:rPr>
+              <a:t>, </a:t>
+            </a:r>
+            <a:r>
+              <a:rPr lang="pt-BR" sz="1600" b="0" dirty="0">
+                <a:solidFill>
+                  <a:srgbClr val="AF86EB"/>
+                </a:solidFill>
+                <a:effectLst/>
+                <a:highlight>
+                  <a:srgbClr val="1B1D28"/>
+                </a:highlight>
+                <a:latin typeface="Consolas" panose="020B0609020204030204" pitchFamily="49" charset="0"/>
+              </a:rPr>
+              <a:t>2</a:t>
+            </a:r>
+            <a:r>
+              <a:rPr lang="pt-BR" sz="1600" b="0" dirty="0">
+                <a:solidFill>
+                  <a:srgbClr val="D1D4E0"/>
+                </a:solidFill>
+                <a:effectLst/>
+                <a:highlight>
+                  <a:srgbClr val="1B1D28"/>
+                </a:highlight>
+                <a:latin typeface="Consolas" panose="020B0609020204030204" pitchFamily="49" charset="0"/>
+              </a:rPr>
+              <a:t>],</a:t>
+            </a:r>
+            <a:r>
+              <a:rPr lang="pt-BR" sz="1600" b="0" dirty="0">
+                <a:solidFill>
+                  <a:srgbClr val="606890"/>
+                </a:solidFill>
+                <a:effectLst/>
+                <a:highlight>
+                  <a:srgbClr val="1B1D28"/>
+                </a:highlight>
+                <a:latin typeface="Consolas" panose="020B0609020204030204" pitchFamily="49" charset="0"/>
+              </a:rPr>
+              <a:t>#Lisa dentro do </a:t>
+            </a:r>
+            <a:r>
+              <a:rPr lang="pt-BR" sz="1600" b="0" dirty="0" err="1">
+                <a:solidFill>
+                  <a:srgbClr val="606890"/>
+                </a:solidFill>
+                <a:effectLst/>
+                <a:highlight>
+                  <a:srgbClr val="1B1D28"/>
+                </a:highlight>
+                <a:latin typeface="Consolas" panose="020B0609020204030204" pitchFamily="49" charset="0"/>
+              </a:rPr>
+              <a:t>dicionario</a:t>
+            </a:r>
+            <a:endParaRPr lang="pt-BR" sz="1600" b="0" dirty="0">
+              <a:solidFill>
+                <a:srgbClr val="D1D4E0"/>
+              </a:solidFill>
+              <a:effectLst/>
+              <a:highlight>
+                <a:srgbClr val="1B1D28"/>
+              </a:highlight>
+              <a:latin typeface="Consolas" panose="020B0609020204030204" pitchFamily="49" charset="0"/>
+            </a:endParaRPr>
+          </a:p>
+          <a:p>
+            <a:r>
+              <a:rPr lang="pt-BR" sz="1600" b="0" dirty="0">
+                <a:solidFill>
+                  <a:srgbClr val="D1D4E0"/>
+                </a:solidFill>
+                <a:effectLst/>
+                <a:highlight>
+                  <a:srgbClr val="1B1D28"/>
+                </a:highlight>
+                <a:latin typeface="Consolas" panose="020B0609020204030204" pitchFamily="49" charset="0"/>
+              </a:rPr>
+              <a:t>}</a:t>
+            </a:r>
+          </a:p>
+          <a:p>
+            <a:br>
+              <a:rPr lang="pt-BR" sz="1600" b="0" dirty="0">
+                <a:solidFill>
+                  <a:srgbClr val="D1D4E0"/>
+                </a:solidFill>
+                <a:effectLst/>
+                <a:highlight>
+                  <a:srgbClr val="1B1D28"/>
+                </a:highlight>
+                <a:latin typeface="Consolas" panose="020B0609020204030204" pitchFamily="49" charset="0"/>
+              </a:rPr>
+            </a:br>
+            <a:r>
+              <a:rPr lang="pt-BR" sz="1600" b="0" dirty="0">
+                <a:solidFill>
+                  <a:srgbClr val="606890"/>
+                </a:solidFill>
+                <a:effectLst/>
+                <a:highlight>
+                  <a:srgbClr val="1B1D28"/>
+                </a:highlight>
+                <a:latin typeface="Consolas" panose="020B0609020204030204" pitchFamily="49" charset="0"/>
+              </a:rPr>
+              <a:t># Fazendo uma cópia superficial do dicionário original</a:t>
+            </a:r>
+            <a:endParaRPr lang="pt-BR" sz="1600" b="0" dirty="0">
+              <a:solidFill>
+                <a:srgbClr val="D1D4E0"/>
+              </a:solidFill>
+              <a:effectLst/>
+              <a:highlight>
+                <a:srgbClr val="1B1D28"/>
+              </a:highlight>
+              <a:latin typeface="Consolas" panose="020B0609020204030204" pitchFamily="49" charset="0"/>
+            </a:endParaRPr>
+          </a:p>
+          <a:p>
+            <a:r>
+              <a:rPr lang="pt-BR" sz="1600" b="0" dirty="0" err="1">
+                <a:solidFill>
+                  <a:srgbClr val="D1D4E0"/>
+                </a:solidFill>
+                <a:effectLst/>
+                <a:highlight>
+                  <a:srgbClr val="1B1D28"/>
+                </a:highlight>
+                <a:latin typeface="Consolas" panose="020B0609020204030204" pitchFamily="49" charset="0"/>
+              </a:rPr>
+              <a:t>copied_dict</a:t>
+            </a:r>
+            <a:r>
+              <a:rPr lang="pt-BR" sz="1600" b="0" dirty="0">
+                <a:solidFill>
+                  <a:srgbClr val="D1D4E0"/>
+                </a:solidFill>
+                <a:effectLst/>
+                <a:highlight>
+                  <a:srgbClr val="1B1D28"/>
+                </a:highlight>
+                <a:latin typeface="Consolas" panose="020B0609020204030204" pitchFamily="49" charset="0"/>
+              </a:rPr>
+              <a:t> </a:t>
+            </a:r>
+            <a:r>
+              <a:rPr lang="pt-BR" sz="1600" b="0" dirty="0">
+                <a:solidFill>
+                  <a:srgbClr val="F269B9"/>
+                </a:solidFill>
+                <a:effectLst/>
+                <a:highlight>
+                  <a:srgbClr val="1B1D28"/>
+                </a:highlight>
+                <a:latin typeface="Consolas" panose="020B0609020204030204" pitchFamily="49" charset="0"/>
+              </a:rPr>
+              <a:t>=</a:t>
+            </a:r>
+            <a:r>
+              <a:rPr lang="pt-BR" sz="1600" b="0" dirty="0">
+                <a:solidFill>
+                  <a:srgbClr val="D1D4E0"/>
+                </a:solidFill>
+                <a:effectLst/>
+                <a:highlight>
+                  <a:srgbClr val="1B1D28"/>
+                </a:highlight>
+                <a:latin typeface="Consolas" panose="020B0609020204030204" pitchFamily="49" charset="0"/>
+              </a:rPr>
+              <a:t> </a:t>
+            </a:r>
+            <a:r>
+              <a:rPr lang="pt-BR" sz="1600" b="0" dirty="0" err="1">
+                <a:solidFill>
+                  <a:srgbClr val="D1D4E0"/>
+                </a:solidFill>
+                <a:effectLst/>
+                <a:highlight>
+                  <a:srgbClr val="1B1D28"/>
+                </a:highlight>
+                <a:latin typeface="Consolas" panose="020B0609020204030204" pitchFamily="49" charset="0"/>
+              </a:rPr>
+              <a:t>original_dict.</a:t>
+            </a:r>
+            <a:r>
+              <a:rPr lang="pt-BR" sz="1600" b="0" dirty="0" err="1">
+                <a:solidFill>
+                  <a:srgbClr val="2DE266"/>
+                </a:solidFill>
+                <a:effectLst/>
+                <a:highlight>
+                  <a:srgbClr val="1B1D28"/>
+                </a:highlight>
+                <a:latin typeface="Consolas" panose="020B0609020204030204" pitchFamily="49" charset="0"/>
+              </a:rPr>
+              <a:t>copy</a:t>
+            </a:r>
+            <a:r>
+              <a:rPr lang="pt-BR" sz="1600" b="0" dirty="0">
+                <a:solidFill>
+                  <a:srgbClr val="D1D4E0"/>
+                </a:solidFill>
+                <a:effectLst/>
+                <a:highlight>
+                  <a:srgbClr val="1B1D28"/>
+                </a:highlight>
+                <a:latin typeface="Consolas" panose="020B0609020204030204" pitchFamily="49" charset="0"/>
+              </a:rPr>
+              <a:t>()</a:t>
+            </a:r>
+          </a:p>
+          <a:p>
+            <a:br>
+              <a:rPr lang="pt-BR" sz="1600" b="0" dirty="0">
+                <a:solidFill>
+                  <a:srgbClr val="D1D4E0"/>
+                </a:solidFill>
+                <a:effectLst/>
+                <a:highlight>
+                  <a:srgbClr val="1B1D28"/>
+                </a:highlight>
+                <a:latin typeface="Consolas" panose="020B0609020204030204" pitchFamily="49" charset="0"/>
+              </a:rPr>
+            </a:br>
+            <a:r>
+              <a:rPr lang="pt-BR" sz="1600" b="0" dirty="0">
+                <a:solidFill>
+                  <a:srgbClr val="606890"/>
+                </a:solidFill>
+                <a:effectLst/>
+                <a:highlight>
+                  <a:srgbClr val="1B1D28"/>
+                </a:highlight>
+                <a:latin typeface="Consolas" panose="020B0609020204030204" pitchFamily="49" charset="0"/>
+              </a:rPr>
+              <a:t># Alterando um valor no dicionário copiado</a:t>
+            </a:r>
+            <a:endParaRPr lang="pt-BR" sz="1600" b="0" dirty="0">
+              <a:solidFill>
+                <a:srgbClr val="D1D4E0"/>
+              </a:solidFill>
+              <a:effectLst/>
+              <a:highlight>
+                <a:srgbClr val="1B1D28"/>
+              </a:highlight>
+              <a:latin typeface="Consolas" panose="020B0609020204030204" pitchFamily="49" charset="0"/>
+            </a:endParaRPr>
+          </a:p>
+          <a:p>
+            <a:r>
+              <a:rPr lang="pt-BR" sz="1600" b="0" dirty="0" err="1">
+                <a:solidFill>
+                  <a:srgbClr val="D1D4E0"/>
+                </a:solidFill>
+                <a:effectLst/>
+                <a:highlight>
+                  <a:srgbClr val="1B1D28"/>
+                </a:highlight>
+                <a:latin typeface="Consolas" panose="020B0609020204030204" pitchFamily="49" charset="0"/>
+              </a:rPr>
+              <a:t>copied_dict</a:t>
+            </a:r>
+            <a:r>
+              <a:rPr lang="pt-BR" sz="1600" b="0" dirty="0">
+                <a:solidFill>
+                  <a:srgbClr val="D1D4E0"/>
+                </a:solidFill>
+                <a:effectLst/>
+                <a:highlight>
+                  <a:srgbClr val="1B1D28"/>
+                </a:highlight>
+                <a:latin typeface="Consolas" panose="020B0609020204030204" pitchFamily="49" charset="0"/>
+              </a:rPr>
+              <a:t>[</a:t>
+            </a:r>
+            <a:r>
+              <a:rPr lang="pt-BR" sz="1600" b="0" dirty="0">
+                <a:solidFill>
+                  <a:srgbClr val="E0E97C"/>
+                </a:solidFill>
+                <a:effectLst/>
+                <a:highlight>
+                  <a:srgbClr val="1B1D28"/>
+                </a:highlight>
+                <a:latin typeface="Consolas" panose="020B0609020204030204" pitchFamily="49" charset="0"/>
+              </a:rPr>
+              <a:t>'key1'</a:t>
+            </a:r>
+            <a:r>
+              <a:rPr lang="pt-BR" sz="1600" b="0" dirty="0">
+                <a:solidFill>
+                  <a:srgbClr val="D1D4E0"/>
+                </a:solidFill>
+                <a:effectLst/>
+                <a:highlight>
+                  <a:srgbClr val="1B1D28"/>
+                </a:highlight>
+                <a:latin typeface="Consolas" panose="020B0609020204030204" pitchFamily="49" charset="0"/>
+              </a:rPr>
+              <a:t>] </a:t>
+            </a:r>
+            <a:r>
+              <a:rPr lang="pt-BR" sz="1600" b="0" dirty="0">
+                <a:solidFill>
+                  <a:srgbClr val="F269B9"/>
+                </a:solidFill>
+                <a:effectLst/>
+                <a:highlight>
+                  <a:srgbClr val="1B1D28"/>
+                </a:highlight>
+                <a:latin typeface="Consolas" panose="020B0609020204030204" pitchFamily="49" charset="0"/>
+              </a:rPr>
+              <a:t>=</a:t>
+            </a:r>
+            <a:r>
+              <a:rPr lang="pt-BR" sz="1600" b="0" dirty="0">
+                <a:solidFill>
+                  <a:srgbClr val="D1D4E0"/>
+                </a:solidFill>
+                <a:effectLst/>
+                <a:highlight>
+                  <a:srgbClr val="1B1D28"/>
+                </a:highlight>
+                <a:latin typeface="Consolas" panose="020B0609020204030204" pitchFamily="49" charset="0"/>
+              </a:rPr>
+              <a:t> </a:t>
+            </a:r>
+            <a:r>
+              <a:rPr lang="pt-BR" sz="1600" b="0" dirty="0">
+                <a:solidFill>
+                  <a:srgbClr val="AF86EB"/>
+                </a:solidFill>
+                <a:effectLst/>
+                <a:highlight>
+                  <a:srgbClr val="1B1D28"/>
+                </a:highlight>
+                <a:latin typeface="Consolas" panose="020B0609020204030204" pitchFamily="49" charset="0"/>
+              </a:rPr>
+              <a:t>100</a:t>
+            </a:r>
+            <a:endParaRPr lang="pt-BR" sz="1600" b="0" dirty="0">
+              <a:solidFill>
+                <a:srgbClr val="D1D4E0"/>
+              </a:solidFill>
+              <a:effectLst/>
+              <a:highlight>
+                <a:srgbClr val="1B1D28"/>
+              </a:highlight>
+              <a:latin typeface="Consolas" panose="020B0609020204030204" pitchFamily="49" charset="0"/>
+            </a:endParaRPr>
+          </a:p>
+          <a:p>
+            <a:br>
+              <a:rPr lang="pt-BR" sz="1600" b="0" dirty="0">
+                <a:solidFill>
+                  <a:srgbClr val="D1D4E0"/>
+                </a:solidFill>
+                <a:effectLst/>
+                <a:highlight>
+                  <a:srgbClr val="1B1D28"/>
+                </a:highlight>
+                <a:latin typeface="Consolas" panose="020B0609020204030204" pitchFamily="49" charset="0"/>
+              </a:rPr>
+            </a:br>
+            <a:r>
+              <a:rPr lang="pt-BR" sz="1600" b="0" dirty="0">
+                <a:solidFill>
+                  <a:srgbClr val="606890"/>
+                </a:solidFill>
+                <a:effectLst/>
+                <a:highlight>
+                  <a:srgbClr val="1B1D28"/>
+                </a:highlight>
+                <a:latin typeface="Consolas" panose="020B0609020204030204" pitchFamily="49" charset="0"/>
+              </a:rPr>
+              <a:t># Alterando um valor na lista dentro do dicionário copiado</a:t>
+            </a:r>
+            <a:endParaRPr lang="pt-BR" sz="1600" b="0" dirty="0">
+              <a:solidFill>
+                <a:srgbClr val="D1D4E0"/>
+              </a:solidFill>
+              <a:effectLst/>
+              <a:highlight>
+                <a:srgbClr val="1B1D28"/>
+              </a:highlight>
+              <a:latin typeface="Consolas" panose="020B0609020204030204" pitchFamily="49" charset="0"/>
+            </a:endParaRPr>
+          </a:p>
+          <a:p>
+            <a:r>
+              <a:rPr lang="pt-BR" sz="1600" b="0" dirty="0" err="1">
+                <a:solidFill>
+                  <a:srgbClr val="D1D4E0"/>
+                </a:solidFill>
+                <a:effectLst/>
+                <a:highlight>
+                  <a:srgbClr val="1B1D28"/>
+                </a:highlight>
+                <a:latin typeface="Consolas" panose="020B0609020204030204" pitchFamily="49" charset="0"/>
+              </a:rPr>
+              <a:t>copied_dict</a:t>
+            </a:r>
+            <a:r>
+              <a:rPr lang="pt-BR" sz="1600" b="0" dirty="0">
+                <a:solidFill>
+                  <a:srgbClr val="D1D4E0"/>
+                </a:solidFill>
+                <a:effectLst/>
+                <a:highlight>
+                  <a:srgbClr val="1B1D28"/>
+                </a:highlight>
+                <a:latin typeface="Consolas" panose="020B0609020204030204" pitchFamily="49" charset="0"/>
+              </a:rPr>
+              <a:t>[</a:t>
+            </a:r>
+            <a:r>
+              <a:rPr lang="pt-BR" sz="1600" b="0" dirty="0">
+                <a:solidFill>
+                  <a:srgbClr val="E0E97C"/>
+                </a:solidFill>
+                <a:effectLst/>
+                <a:highlight>
+                  <a:srgbClr val="1B1D28"/>
+                </a:highlight>
+                <a:latin typeface="Consolas" panose="020B0609020204030204" pitchFamily="49" charset="0"/>
+              </a:rPr>
+              <a:t>'</a:t>
+            </a:r>
+            <a:r>
+              <a:rPr lang="pt-BR" sz="1600" b="0" dirty="0" err="1">
+                <a:solidFill>
+                  <a:srgbClr val="E0E97C"/>
+                </a:solidFill>
+                <a:effectLst/>
+                <a:highlight>
+                  <a:srgbClr val="1B1D28"/>
+                </a:highlight>
+                <a:latin typeface="Consolas" panose="020B0609020204030204" pitchFamily="49" charset="0"/>
+              </a:rPr>
+              <a:t>list_key</a:t>
+            </a:r>
+            <a:r>
+              <a:rPr lang="pt-BR" sz="1600" b="0" dirty="0">
+                <a:solidFill>
+                  <a:srgbClr val="E0E97C"/>
+                </a:solidFill>
+                <a:effectLst/>
+                <a:highlight>
+                  <a:srgbClr val="1B1D28"/>
+                </a:highlight>
+                <a:latin typeface="Consolas" panose="020B0609020204030204" pitchFamily="49" charset="0"/>
+              </a:rPr>
+              <a:t>'</a:t>
+            </a:r>
+            <a:r>
+              <a:rPr lang="pt-BR" sz="1600" b="0" dirty="0">
+                <a:solidFill>
+                  <a:srgbClr val="D1D4E0"/>
+                </a:solidFill>
+                <a:effectLst/>
+                <a:highlight>
+                  <a:srgbClr val="1B1D28"/>
+                </a:highlight>
+                <a:latin typeface="Consolas" panose="020B0609020204030204" pitchFamily="49" charset="0"/>
+              </a:rPr>
+              <a:t>][</a:t>
+            </a:r>
+            <a:r>
+              <a:rPr lang="pt-BR" sz="1600" b="0" dirty="0">
+                <a:solidFill>
+                  <a:srgbClr val="AF86EB"/>
+                </a:solidFill>
+                <a:effectLst/>
+                <a:highlight>
+                  <a:srgbClr val="1B1D28"/>
+                </a:highlight>
+                <a:latin typeface="Consolas" panose="020B0609020204030204" pitchFamily="49" charset="0"/>
+              </a:rPr>
+              <a:t>1</a:t>
+            </a:r>
+            <a:r>
+              <a:rPr lang="pt-BR" sz="1600" b="0" dirty="0">
+                <a:solidFill>
+                  <a:srgbClr val="D1D4E0"/>
+                </a:solidFill>
+                <a:effectLst/>
+                <a:highlight>
+                  <a:srgbClr val="1B1D28"/>
+                </a:highlight>
+                <a:latin typeface="Consolas" panose="020B0609020204030204" pitchFamily="49" charset="0"/>
+              </a:rPr>
+              <a:t>] </a:t>
+            </a:r>
+            <a:r>
+              <a:rPr lang="pt-BR" sz="1600" b="0" dirty="0">
+                <a:solidFill>
+                  <a:srgbClr val="F269B9"/>
+                </a:solidFill>
+                <a:effectLst/>
+                <a:highlight>
+                  <a:srgbClr val="1B1D28"/>
+                </a:highlight>
+                <a:latin typeface="Consolas" panose="020B0609020204030204" pitchFamily="49" charset="0"/>
+              </a:rPr>
+              <a:t>=</a:t>
+            </a:r>
+            <a:r>
+              <a:rPr lang="pt-BR" sz="1600" b="0" dirty="0">
+                <a:solidFill>
+                  <a:srgbClr val="D1D4E0"/>
+                </a:solidFill>
+                <a:effectLst/>
+                <a:highlight>
+                  <a:srgbClr val="1B1D28"/>
+                </a:highlight>
+                <a:latin typeface="Consolas" panose="020B0609020204030204" pitchFamily="49" charset="0"/>
+              </a:rPr>
+              <a:t> </a:t>
+            </a:r>
+            <a:r>
+              <a:rPr lang="pt-BR" sz="1600" b="0" dirty="0">
+                <a:solidFill>
+                  <a:srgbClr val="AF86EB"/>
+                </a:solidFill>
+                <a:effectLst/>
+                <a:highlight>
+                  <a:srgbClr val="1B1D28"/>
+                </a:highlight>
+                <a:latin typeface="Consolas" panose="020B0609020204030204" pitchFamily="49" charset="0"/>
+              </a:rPr>
+              <a:t>999</a:t>
+            </a:r>
+            <a:endParaRPr lang="pt-BR" sz="1600" b="0" dirty="0">
+              <a:solidFill>
+                <a:srgbClr val="D1D4E0"/>
+              </a:solidFill>
+              <a:effectLst/>
+              <a:highlight>
+                <a:srgbClr val="1B1D28"/>
+              </a:highlight>
+              <a:latin typeface="Consolas" panose="020B0609020204030204" pitchFamily="49" charset="0"/>
+            </a:endParaRPr>
+          </a:p>
+          <a:p>
+            <a:br>
+              <a:rPr lang="pt-BR" sz="1600" b="0" dirty="0">
+                <a:solidFill>
+                  <a:srgbClr val="D1D4E0"/>
+                </a:solidFill>
+                <a:effectLst/>
+                <a:highlight>
+                  <a:srgbClr val="1B1D28"/>
+                </a:highlight>
+                <a:latin typeface="Consolas" panose="020B0609020204030204" pitchFamily="49" charset="0"/>
+              </a:rPr>
+            </a:br>
+            <a:r>
+              <a:rPr lang="pt-BR" sz="1600" b="0" dirty="0">
+                <a:solidFill>
+                  <a:srgbClr val="606890"/>
+                </a:solidFill>
+                <a:effectLst/>
+                <a:highlight>
+                  <a:srgbClr val="1B1D28"/>
+                </a:highlight>
+                <a:latin typeface="Consolas" panose="020B0609020204030204" pitchFamily="49" charset="0"/>
+              </a:rPr>
+              <a:t># Imprimindo os dicionários original e copiado</a:t>
+            </a:r>
+            <a:endParaRPr lang="pt-BR" sz="1600" b="0" dirty="0">
+              <a:solidFill>
+                <a:srgbClr val="D1D4E0"/>
+              </a:solidFill>
+              <a:effectLst/>
+              <a:highlight>
+                <a:srgbClr val="1B1D28"/>
+              </a:highlight>
+              <a:latin typeface="Consolas" panose="020B0609020204030204" pitchFamily="49" charset="0"/>
+            </a:endParaRPr>
+          </a:p>
+          <a:p>
+            <a:r>
+              <a:rPr lang="pt-BR" sz="1600" b="0" dirty="0">
+                <a:solidFill>
+                  <a:srgbClr val="2DE266"/>
+                </a:solidFill>
+                <a:effectLst/>
+                <a:highlight>
+                  <a:srgbClr val="1B1D28"/>
+                </a:highlight>
+                <a:latin typeface="Consolas" panose="020B0609020204030204" pitchFamily="49" charset="0"/>
+              </a:rPr>
+              <a:t>print</a:t>
+            </a:r>
+            <a:r>
+              <a:rPr lang="pt-BR" sz="1600" b="0" dirty="0">
+                <a:solidFill>
+                  <a:srgbClr val="D1D4E0"/>
+                </a:solidFill>
+                <a:effectLst/>
+                <a:highlight>
+                  <a:srgbClr val="1B1D28"/>
+                </a:highlight>
+                <a:latin typeface="Consolas" panose="020B0609020204030204" pitchFamily="49" charset="0"/>
+              </a:rPr>
+              <a:t>(</a:t>
+            </a:r>
+            <a:r>
+              <a:rPr lang="pt-BR" sz="1600" b="0" dirty="0">
+                <a:solidFill>
+                  <a:srgbClr val="E0E97C"/>
+                </a:solidFill>
+                <a:effectLst/>
+                <a:highlight>
+                  <a:srgbClr val="1B1D28"/>
+                </a:highlight>
+                <a:latin typeface="Consolas" panose="020B0609020204030204" pitchFamily="49" charset="0"/>
+              </a:rPr>
+              <a:t>"Original </a:t>
+            </a:r>
+            <a:r>
+              <a:rPr lang="pt-BR" sz="1600" b="0" dirty="0" err="1">
+                <a:solidFill>
+                  <a:srgbClr val="E0E97C"/>
+                </a:solidFill>
+                <a:effectLst/>
+                <a:highlight>
+                  <a:srgbClr val="1B1D28"/>
+                </a:highlight>
+                <a:latin typeface="Consolas" panose="020B0609020204030204" pitchFamily="49" charset="0"/>
+              </a:rPr>
+              <a:t>Dictionary</a:t>
+            </a:r>
+            <a:r>
+              <a:rPr lang="pt-BR" sz="1600" b="0" dirty="0">
+                <a:solidFill>
+                  <a:srgbClr val="E0E97C"/>
+                </a:solidFill>
+                <a:effectLst/>
+                <a:highlight>
+                  <a:srgbClr val="1B1D28"/>
+                </a:highlight>
+                <a:latin typeface="Consolas" panose="020B0609020204030204" pitchFamily="49" charset="0"/>
+              </a:rPr>
+              <a:t>:"</a:t>
+            </a:r>
+            <a:r>
+              <a:rPr lang="pt-BR" sz="1600" b="0" dirty="0">
+                <a:solidFill>
+                  <a:srgbClr val="D1D4E0"/>
+                </a:solidFill>
+                <a:effectLst/>
+                <a:highlight>
+                  <a:srgbClr val="1B1D28"/>
+                </a:highlight>
+                <a:latin typeface="Consolas" panose="020B0609020204030204" pitchFamily="49" charset="0"/>
+              </a:rPr>
+              <a:t>, </a:t>
+            </a:r>
+            <a:r>
+              <a:rPr lang="pt-BR" sz="1600" b="0" dirty="0" err="1">
+                <a:solidFill>
+                  <a:srgbClr val="D1D4E0"/>
+                </a:solidFill>
+                <a:effectLst/>
+                <a:highlight>
+                  <a:srgbClr val="1B1D28"/>
+                </a:highlight>
+                <a:latin typeface="Consolas" panose="020B0609020204030204" pitchFamily="49" charset="0"/>
+              </a:rPr>
+              <a:t>original_dict</a:t>
+            </a:r>
+            <a:r>
+              <a:rPr lang="pt-BR" sz="1600" b="0" dirty="0">
+                <a:solidFill>
+                  <a:srgbClr val="D1D4E0"/>
+                </a:solidFill>
+                <a:effectLst/>
+                <a:highlight>
+                  <a:srgbClr val="1B1D28"/>
+                </a:highlight>
+                <a:latin typeface="Consolas" panose="020B0609020204030204" pitchFamily="49" charset="0"/>
+              </a:rPr>
+              <a:t>)</a:t>
+            </a:r>
+          </a:p>
+          <a:p>
+            <a:r>
+              <a:rPr lang="pt-BR" sz="1600" b="0" dirty="0">
+                <a:solidFill>
+                  <a:srgbClr val="2DE266"/>
+                </a:solidFill>
+                <a:effectLst/>
+                <a:highlight>
+                  <a:srgbClr val="1B1D28"/>
+                </a:highlight>
+                <a:latin typeface="Consolas" panose="020B0609020204030204" pitchFamily="49" charset="0"/>
+              </a:rPr>
+              <a:t>print</a:t>
+            </a:r>
+            <a:r>
+              <a:rPr lang="pt-BR" sz="1600" b="0" dirty="0">
+                <a:solidFill>
+                  <a:srgbClr val="D1D4E0"/>
+                </a:solidFill>
+                <a:effectLst/>
+                <a:highlight>
+                  <a:srgbClr val="1B1D28"/>
+                </a:highlight>
+                <a:latin typeface="Consolas" panose="020B0609020204030204" pitchFamily="49" charset="0"/>
+              </a:rPr>
+              <a:t>(</a:t>
+            </a:r>
+            <a:r>
+              <a:rPr lang="pt-BR" sz="1600" b="0" dirty="0">
+                <a:solidFill>
+                  <a:srgbClr val="E0E97C"/>
+                </a:solidFill>
+                <a:effectLst/>
+                <a:highlight>
+                  <a:srgbClr val="1B1D28"/>
+                </a:highlight>
+                <a:latin typeface="Consolas" panose="020B0609020204030204" pitchFamily="49" charset="0"/>
+              </a:rPr>
+              <a:t>"</a:t>
+            </a:r>
+            <a:r>
+              <a:rPr lang="pt-BR" sz="1600" b="0" dirty="0" err="1">
+                <a:solidFill>
+                  <a:srgbClr val="E0E97C"/>
+                </a:solidFill>
+                <a:effectLst/>
+                <a:highlight>
+                  <a:srgbClr val="1B1D28"/>
+                </a:highlight>
+                <a:latin typeface="Consolas" panose="020B0609020204030204" pitchFamily="49" charset="0"/>
+              </a:rPr>
+              <a:t>Copied</a:t>
+            </a:r>
+            <a:r>
+              <a:rPr lang="pt-BR" sz="1600" b="0" dirty="0">
+                <a:solidFill>
+                  <a:srgbClr val="E0E97C"/>
+                </a:solidFill>
+                <a:effectLst/>
+                <a:highlight>
+                  <a:srgbClr val="1B1D28"/>
+                </a:highlight>
+                <a:latin typeface="Consolas" panose="020B0609020204030204" pitchFamily="49" charset="0"/>
+              </a:rPr>
+              <a:t> </a:t>
+            </a:r>
+            <a:r>
+              <a:rPr lang="pt-BR" sz="1600" b="0" dirty="0" err="1">
+                <a:solidFill>
+                  <a:srgbClr val="E0E97C"/>
+                </a:solidFill>
+                <a:effectLst/>
+                <a:highlight>
+                  <a:srgbClr val="1B1D28"/>
+                </a:highlight>
+                <a:latin typeface="Consolas" panose="020B0609020204030204" pitchFamily="49" charset="0"/>
+              </a:rPr>
+              <a:t>Dictionary</a:t>
+            </a:r>
+            <a:r>
+              <a:rPr lang="pt-BR" sz="1600" b="0" dirty="0">
+                <a:solidFill>
+                  <a:srgbClr val="E0E97C"/>
+                </a:solidFill>
+                <a:effectLst/>
+                <a:highlight>
+                  <a:srgbClr val="1B1D28"/>
+                </a:highlight>
+                <a:latin typeface="Consolas" panose="020B0609020204030204" pitchFamily="49" charset="0"/>
+              </a:rPr>
+              <a:t>:"</a:t>
+            </a:r>
+            <a:r>
+              <a:rPr lang="pt-BR" sz="1600" b="0" dirty="0">
+                <a:solidFill>
+                  <a:srgbClr val="D1D4E0"/>
+                </a:solidFill>
+                <a:effectLst/>
+                <a:highlight>
+                  <a:srgbClr val="1B1D28"/>
+                </a:highlight>
+                <a:latin typeface="Consolas" panose="020B0609020204030204" pitchFamily="49" charset="0"/>
+              </a:rPr>
+              <a:t>, </a:t>
+            </a:r>
+            <a:r>
+              <a:rPr lang="pt-BR" sz="1600" b="0" dirty="0" err="1">
+                <a:solidFill>
+                  <a:srgbClr val="D1D4E0"/>
+                </a:solidFill>
+                <a:effectLst/>
+                <a:highlight>
+                  <a:srgbClr val="1B1D28"/>
+                </a:highlight>
+                <a:latin typeface="Consolas" panose="020B0609020204030204" pitchFamily="49" charset="0"/>
+              </a:rPr>
+              <a:t>copied_dict</a:t>
+            </a:r>
+            <a:r>
+              <a:rPr lang="pt-BR" sz="1600" b="0" dirty="0">
+                <a:solidFill>
+                  <a:srgbClr val="D1D4E0"/>
+                </a:solidFill>
+                <a:effectLst/>
+                <a:highlight>
+                  <a:srgbClr val="1B1D28"/>
+                </a:highlight>
+                <a:latin typeface="Consolas" panose="020B0609020204030204" pitchFamily="49" charset="0"/>
+              </a:rPr>
+              <a:t>)</a:t>
+            </a:r>
+          </a:p>
+        </p:txBody>
+      </p:sp>
+    </p:spTree>
+    <p:extLst>
+      <p:ext uri="{BB962C8B-B14F-4D97-AF65-F5344CB8AC3E}">
+        <p14:creationId xmlns:p14="http://schemas.microsoft.com/office/powerpoint/2010/main" val="2070208848"/>
+      </p:ext>
+    </p:extLst>
+  </p:cSld>
+  <p:clrMapOvr>
+    <a:masterClrMapping/>
+  </p:clrMapOvr>
+</p:sld>
+</file>
+
+<file path=ppt/slides/slide9.xml><?xml version="1.0" encoding="utf-8"?>
+<p:sld xmlns:a="http://schemas.openxmlformats.org/drawingml/2006/main" xmlns:r="http://schemas.openxmlformats.org/officeDocument/2006/relationships" xmlns:p="http://schemas.openxmlformats.org/presentationml/2006/main" showMasterSp="0">
+  <p:cSld>
+    <p:bg>
+      <p:bgPr>
+        <a:solidFill>
+          <a:schemeClr val="tx1"/>
+        </a:solidFill>
+        <a:effectLst/>
+      </p:bgPr>
+    </p:bg>
+    <p:spTree>
+      <p:nvGrpSpPr>
+        <p:cNvPr id="1" name=""/>
+        <p:cNvGrpSpPr/>
+        <p:nvPr/>
+      </p:nvGrpSpPr>
+      <p:grpSpPr>
+        <a:xfrm>
+          <a:off x="0" y="0"/>
+          <a:ext cx="0" cy="0"/>
+          <a:chOff x="0" y="0"/>
+          <a:chExt cx="0" cy="0"/>
+        </a:xfrm>
+      </p:grpSpPr>
+      <p:sp>
+        <p:nvSpPr>
+          <p:cNvPr id="2" name="Título 1">
+            <a:extLst>
+              <a:ext uri="{FF2B5EF4-FFF2-40B4-BE49-F238E27FC236}">
+                <a16:creationId xmlns:a16="http://schemas.microsoft.com/office/drawing/2014/main" id="{83C6E063-9BFE-06CE-C9BC-5EE9CCAE3D29}"/>
+              </a:ext>
+            </a:extLst>
+          </p:cNvPr>
+          <p:cNvSpPr>
+            <a:spLocks noGrp="1"/>
+          </p:cNvSpPr>
+          <p:nvPr>
+            <p:ph type="title"/>
+          </p:nvPr>
+        </p:nvSpPr>
+        <p:spPr/>
+        <p:txBody>
+          <a:bodyPr/>
+          <a:lstStyle/>
+          <a:p>
+            <a:r>
+              <a:rPr lang="pt-BR" dirty="0">
+                <a:solidFill>
+                  <a:schemeClr val="bg2"/>
+                </a:solidFill>
+              </a:rPr>
+              <a:t>Exercício 6	</a:t>
+            </a:r>
+          </a:p>
+        </p:txBody>
+      </p:sp>
+      <p:pic>
+        <p:nvPicPr>
+          <p:cNvPr id="1026" name="Picture 2">
+            <a:extLst>
+              <a:ext uri="{FF2B5EF4-FFF2-40B4-BE49-F238E27FC236}">
+                <a16:creationId xmlns:a16="http://schemas.microsoft.com/office/drawing/2014/main" id="{BFCC1361-CFA5-41DC-9639-9812D7C04FC8}"/>
+              </a:ext>
+            </a:extLst>
+          </p:cNvPr>
+          <p:cNvPicPr>
+            <a:picLocks noChangeAspect="1" noChangeArrowheads="1"/>
+          </p:cNvPicPr>
+          <p:nvPr/>
+        </p:nvPicPr>
+        <p:blipFill>
+          <a:blip r:embed="rId2">
+            <a:extLst>
+              <a:ext uri="{28A0092B-C50C-407E-A947-70E740481C1C}">
+                <a14:useLocalDpi xmlns:a14="http://schemas.microsoft.com/office/drawing/2010/main" val="0"/>
+              </a:ext>
+            </a:extLst>
+          </a:blip>
+          <a:srcRect/>
+          <a:stretch>
+            <a:fillRect/>
+          </a:stretch>
+        </p:blipFill>
+        <p:spPr bwMode="auto">
+          <a:xfrm>
+            <a:off x="102198" y="20849"/>
+            <a:ext cx="659802" cy="723071"/>
+          </a:xfrm>
+          <a:prstGeom prst="rect">
+            <a:avLst/>
+          </a:prstGeom>
+          <a:noFill/>
+          <a:extLst>
+            <a:ext uri="{909E8E84-426E-40DD-AFC4-6F175D3DCCD1}">
+              <a14:hiddenFill xmlns:a14="http://schemas.microsoft.com/office/drawing/2010/main">
+                <a:solidFill>
+                  <a:srgbClr val="FFFFFF"/>
+                </a:solidFill>
+              </a14:hiddenFill>
+            </a:ext>
+          </a:extLst>
+        </p:spPr>
+      </p:pic>
+      <p:sp>
+        <p:nvSpPr>
+          <p:cNvPr id="3" name="CaixaDeTexto 2">
+            <a:extLst>
+              <a:ext uri="{FF2B5EF4-FFF2-40B4-BE49-F238E27FC236}">
+                <a16:creationId xmlns:a16="http://schemas.microsoft.com/office/drawing/2014/main" id="{F68671F4-0AE5-85EB-0887-99DC0AC9C03D}"/>
+              </a:ext>
+            </a:extLst>
+          </p:cNvPr>
+          <p:cNvSpPr txBox="1"/>
+          <p:nvPr/>
+        </p:nvSpPr>
+        <p:spPr>
+          <a:xfrm>
+            <a:off x="1419225" y="1524000"/>
+            <a:ext cx="7239000" cy="369332"/>
+          </a:xfrm>
+          <a:prstGeom prst="rect">
+            <a:avLst/>
+          </a:prstGeom>
+          <a:noFill/>
+        </p:spPr>
+        <p:txBody>
+          <a:bodyPr wrap="square" rtlCol="0">
+            <a:spAutoFit/>
+          </a:bodyPr>
+          <a:lstStyle/>
+          <a:p>
+            <a:r>
+              <a:rPr lang="pt-BR" dirty="0"/>
+              <a:t>	</a:t>
+            </a:r>
+          </a:p>
+        </p:txBody>
+      </p:sp>
+      <p:sp>
+        <p:nvSpPr>
+          <p:cNvPr id="6" name="CaixaDeTexto 5">
+            <a:extLst>
+              <a:ext uri="{FF2B5EF4-FFF2-40B4-BE49-F238E27FC236}">
+                <a16:creationId xmlns:a16="http://schemas.microsoft.com/office/drawing/2014/main" id="{822818C2-0AD9-33E8-1F7F-28A1D1C27242}"/>
+              </a:ext>
+            </a:extLst>
+          </p:cNvPr>
+          <p:cNvSpPr txBox="1"/>
+          <p:nvPr/>
+        </p:nvSpPr>
+        <p:spPr>
+          <a:xfrm>
+            <a:off x="1251678" y="1524000"/>
+            <a:ext cx="6096000" cy="4801314"/>
+          </a:xfrm>
+          <a:prstGeom prst="rect">
+            <a:avLst/>
+          </a:prstGeom>
+          <a:noFill/>
+        </p:spPr>
+        <p:txBody>
+          <a:bodyPr wrap="square">
+            <a:spAutoFit/>
+          </a:bodyPr>
+          <a:lstStyle/>
+          <a:p>
+            <a:r>
+              <a:rPr lang="pt-BR" b="0" dirty="0">
+                <a:solidFill>
+                  <a:srgbClr val="D1D4E0"/>
+                </a:solidFill>
+                <a:effectLst/>
+                <a:latin typeface="Consolas" panose="020B0609020204030204" pitchFamily="49" charset="0"/>
+              </a:rPr>
+              <a:t>perguntas </a:t>
+            </a:r>
+            <a:r>
+              <a:rPr lang="pt-BR" b="0" dirty="0">
+                <a:solidFill>
+                  <a:srgbClr val="F269B9"/>
+                </a:solidFill>
+                <a:effectLst/>
+                <a:latin typeface="Consolas" panose="020B0609020204030204" pitchFamily="49" charset="0"/>
+              </a:rPr>
+              <a:t>=</a:t>
+            </a:r>
+            <a:r>
+              <a:rPr lang="pt-BR" b="0" dirty="0">
+                <a:solidFill>
+                  <a:srgbClr val="D1D4E0"/>
+                </a:solidFill>
+                <a:effectLst/>
+                <a:latin typeface="Consolas" panose="020B0609020204030204" pitchFamily="49" charset="0"/>
+              </a:rPr>
+              <a:t> [</a:t>
+            </a:r>
+          </a:p>
+          <a:p>
+            <a:r>
+              <a:rPr lang="pt-BR" b="0" dirty="0">
+                <a:solidFill>
+                  <a:srgbClr val="D1D4E0"/>
+                </a:solidFill>
+                <a:effectLst/>
+                <a:latin typeface="Consolas" panose="020B0609020204030204" pitchFamily="49" charset="0"/>
+              </a:rPr>
+              <a:t>    {</a:t>
+            </a:r>
+          </a:p>
+          <a:p>
+            <a:r>
+              <a:rPr lang="pt-BR" b="0" dirty="0">
+                <a:solidFill>
+                  <a:srgbClr val="D1D4E0"/>
+                </a:solidFill>
+                <a:effectLst/>
+                <a:latin typeface="Consolas" panose="020B0609020204030204" pitchFamily="49" charset="0"/>
+              </a:rPr>
+              <a:t>        </a:t>
+            </a:r>
+            <a:r>
+              <a:rPr lang="pt-BR" b="0" dirty="0">
+                <a:solidFill>
+                  <a:srgbClr val="E0E97C"/>
+                </a:solidFill>
+                <a:effectLst/>
+                <a:latin typeface="Consolas" panose="020B0609020204030204" pitchFamily="49" charset="0"/>
+              </a:rPr>
+              <a:t>'Pergunta'</a:t>
+            </a:r>
+            <a:r>
+              <a:rPr lang="pt-BR" b="0" dirty="0">
+                <a:solidFill>
+                  <a:srgbClr val="D1D4E0"/>
+                </a:solidFill>
+                <a:effectLst/>
+                <a:latin typeface="Consolas" panose="020B0609020204030204" pitchFamily="49" charset="0"/>
+              </a:rPr>
+              <a:t>: </a:t>
+            </a:r>
+            <a:r>
+              <a:rPr lang="pt-BR" b="0" dirty="0">
+                <a:solidFill>
+                  <a:srgbClr val="E0E97C"/>
+                </a:solidFill>
+                <a:effectLst/>
+                <a:latin typeface="Consolas" panose="020B0609020204030204" pitchFamily="49" charset="0"/>
+              </a:rPr>
+              <a:t>'Quanto é 2+2?'</a:t>
+            </a:r>
+            <a:r>
+              <a:rPr lang="pt-BR" b="0" dirty="0">
+                <a:solidFill>
+                  <a:srgbClr val="D1D4E0"/>
+                </a:solidFill>
+                <a:effectLst/>
+                <a:latin typeface="Consolas" panose="020B0609020204030204" pitchFamily="49" charset="0"/>
+              </a:rPr>
+              <a:t>,</a:t>
+            </a:r>
+            <a:r>
+              <a:rPr lang="pt-BR" b="0" dirty="0">
+                <a:solidFill>
+                  <a:srgbClr val="606890"/>
+                </a:solidFill>
+                <a:effectLst/>
+                <a:latin typeface="Consolas" panose="020B0609020204030204" pitchFamily="49" charset="0"/>
+              </a:rPr>
+              <a:t>#</a:t>
+            </a:r>
+            <a:r>
+              <a:rPr lang="pt-BR" b="0" dirty="0" err="1">
+                <a:solidFill>
+                  <a:srgbClr val="606890"/>
+                </a:solidFill>
+                <a:effectLst/>
+                <a:latin typeface="Consolas" panose="020B0609020204030204" pitchFamily="49" charset="0"/>
+              </a:rPr>
+              <a:t>Petgunta</a:t>
+            </a:r>
+            <a:endParaRPr lang="pt-BR" b="0" dirty="0">
+              <a:solidFill>
+                <a:srgbClr val="D1D4E0"/>
+              </a:solidFill>
+              <a:effectLst/>
+              <a:latin typeface="Consolas" panose="020B0609020204030204" pitchFamily="49" charset="0"/>
+            </a:endParaRPr>
+          </a:p>
+          <a:p>
+            <a:r>
+              <a:rPr lang="pt-BR" b="0" dirty="0">
+                <a:solidFill>
+                  <a:srgbClr val="D1D4E0"/>
+                </a:solidFill>
+                <a:effectLst/>
+                <a:latin typeface="Consolas" panose="020B0609020204030204" pitchFamily="49" charset="0"/>
+              </a:rPr>
+              <a:t>        </a:t>
+            </a:r>
+            <a:r>
+              <a:rPr lang="pt-BR" b="0" dirty="0">
+                <a:solidFill>
+                  <a:srgbClr val="E0E97C"/>
+                </a:solidFill>
+                <a:effectLst/>
+                <a:latin typeface="Consolas" panose="020B0609020204030204" pitchFamily="49" charset="0"/>
+              </a:rPr>
+              <a:t>'Opções'</a:t>
+            </a:r>
+            <a:r>
+              <a:rPr lang="pt-BR" b="0" dirty="0">
+                <a:solidFill>
+                  <a:srgbClr val="D1D4E0"/>
+                </a:solidFill>
+                <a:effectLst/>
+                <a:latin typeface="Consolas" panose="020B0609020204030204" pitchFamily="49" charset="0"/>
+              </a:rPr>
+              <a:t>: [</a:t>
+            </a:r>
+            <a:r>
+              <a:rPr lang="pt-BR" b="0" dirty="0">
+                <a:solidFill>
+                  <a:srgbClr val="E0E97C"/>
+                </a:solidFill>
+                <a:effectLst/>
+                <a:latin typeface="Consolas" panose="020B0609020204030204" pitchFamily="49" charset="0"/>
+              </a:rPr>
+              <a:t>'1'</a:t>
+            </a:r>
+            <a:r>
+              <a:rPr lang="pt-BR" b="0" dirty="0">
+                <a:solidFill>
+                  <a:srgbClr val="D1D4E0"/>
+                </a:solidFill>
+                <a:effectLst/>
+                <a:latin typeface="Consolas" panose="020B0609020204030204" pitchFamily="49" charset="0"/>
+              </a:rPr>
+              <a:t>, </a:t>
+            </a:r>
+            <a:r>
+              <a:rPr lang="pt-BR" b="0" dirty="0">
+                <a:solidFill>
+                  <a:srgbClr val="E0E97C"/>
+                </a:solidFill>
+                <a:effectLst/>
+                <a:latin typeface="Consolas" panose="020B0609020204030204" pitchFamily="49" charset="0"/>
+              </a:rPr>
+              <a:t>'3'</a:t>
+            </a:r>
+            <a:r>
+              <a:rPr lang="pt-BR" b="0" dirty="0">
+                <a:solidFill>
+                  <a:srgbClr val="D1D4E0"/>
+                </a:solidFill>
+                <a:effectLst/>
+                <a:latin typeface="Consolas" panose="020B0609020204030204" pitchFamily="49" charset="0"/>
+              </a:rPr>
+              <a:t>, </a:t>
+            </a:r>
+            <a:r>
+              <a:rPr lang="pt-BR" b="0" dirty="0">
+                <a:solidFill>
+                  <a:srgbClr val="E0E97C"/>
+                </a:solidFill>
+                <a:effectLst/>
+                <a:latin typeface="Consolas" panose="020B0609020204030204" pitchFamily="49" charset="0"/>
+              </a:rPr>
+              <a:t>'4'</a:t>
+            </a:r>
+            <a:r>
+              <a:rPr lang="pt-BR" b="0" dirty="0">
+                <a:solidFill>
+                  <a:srgbClr val="D1D4E0"/>
+                </a:solidFill>
+                <a:effectLst/>
+                <a:latin typeface="Consolas" panose="020B0609020204030204" pitchFamily="49" charset="0"/>
+              </a:rPr>
+              <a:t>, </a:t>
+            </a:r>
+            <a:r>
+              <a:rPr lang="pt-BR" b="0" dirty="0">
+                <a:solidFill>
+                  <a:srgbClr val="E0E97C"/>
+                </a:solidFill>
+                <a:effectLst/>
+                <a:latin typeface="Consolas" panose="020B0609020204030204" pitchFamily="49" charset="0"/>
+              </a:rPr>
+              <a:t>'5'</a:t>
+            </a:r>
+            <a:r>
+              <a:rPr lang="pt-BR" b="0" dirty="0">
+                <a:solidFill>
+                  <a:srgbClr val="D1D4E0"/>
+                </a:solidFill>
+                <a:effectLst/>
+                <a:latin typeface="Consolas" panose="020B0609020204030204" pitchFamily="49" charset="0"/>
+              </a:rPr>
+              <a:t>],</a:t>
+            </a:r>
+            <a:r>
+              <a:rPr lang="pt-BR" b="0" dirty="0">
+                <a:solidFill>
+                  <a:srgbClr val="606890"/>
+                </a:solidFill>
+                <a:effectLst/>
+                <a:latin typeface="Consolas" panose="020B0609020204030204" pitchFamily="49" charset="0"/>
+              </a:rPr>
+              <a:t>#Lista</a:t>
+            </a:r>
+            <a:endParaRPr lang="pt-BR" b="0" dirty="0">
+              <a:solidFill>
+                <a:srgbClr val="D1D4E0"/>
+              </a:solidFill>
+              <a:effectLst/>
+              <a:latin typeface="Consolas" panose="020B0609020204030204" pitchFamily="49" charset="0"/>
+            </a:endParaRPr>
+          </a:p>
+          <a:p>
+            <a:r>
+              <a:rPr lang="pt-BR" b="0" dirty="0">
+                <a:solidFill>
+                  <a:srgbClr val="D1D4E0"/>
+                </a:solidFill>
+                <a:effectLst/>
+                <a:latin typeface="Consolas" panose="020B0609020204030204" pitchFamily="49" charset="0"/>
+              </a:rPr>
+              <a:t>        </a:t>
+            </a:r>
+            <a:r>
+              <a:rPr lang="pt-BR" b="0" dirty="0">
+                <a:solidFill>
+                  <a:srgbClr val="E0E97C"/>
+                </a:solidFill>
+                <a:effectLst/>
+                <a:latin typeface="Consolas" panose="020B0609020204030204" pitchFamily="49" charset="0"/>
+              </a:rPr>
+              <a:t>'Resposta'</a:t>
+            </a:r>
+            <a:r>
+              <a:rPr lang="pt-BR" b="0" dirty="0">
+                <a:solidFill>
+                  <a:srgbClr val="D1D4E0"/>
+                </a:solidFill>
+                <a:effectLst/>
+                <a:latin typeface="Consolas" panose="020B0609020204030204" pitchFamily="49" charset="0"/>
+              </a:rPr>
+              <a:t>: </a:t>
+            </a:r>
+            <a:r>
+              <a:rPr lang="pt-BR" b="0" dirty="0">
+                <a:solidFill>
+                  <a:srgbClr val="E0E97C"/>
+                </a:solidFill>
+                <a:effectLst/>
+                <a:latin typeface="Consolas" panose="020B0609020204030204" pitchFamily="49" charset="0"/>
+              </a:rPr>
+              <a:t>'4'</a:t>
+            </a:r>
+            <a:r>
+              <a:rPr lang="pt-BR" b="0" dirty="0">
+                <a:solidFill>
+                  <a:srgbClr val="D1D4E0"/>
+                </a:solidFill>
+                <a:effectLst/>
+                <a:latin typeface="Consolas" panose="020B0609020204030204" pitchFamily="49" charset="0"/>
+              </a:rPr>
+              <a:t>,</a:t>
+            </a:r>
+          </a:p>
+          <a:p>
+            <a:r>
+              <a:rPr lang="pt-BR" b="0" dirty="0">
+                <a:solidFill>
+                  <a:srgbClr val="D1D4E0"/>
+                </a:solidFill>
+                <a:effectLst/>
+                <a:latin typeface="Consolas" panose="020B0609020204030204" pitchFamily="49" charset="0"/>
+              </a:rPr>
+              <a:t>    },</a:t>
+            </a:r>
+          </a:p>
+          <a:p>
+            <a:r>
+              <a:rPr lang="pt-BR" b="0" dirty="0">
+                <a:solidFill>
+                  <a:srgbClr val="D1D4E0"/>
+                </a:solidFill>
+                <a:effectLst/>
+                <a:latin typeface="Consolas" panose="020B0609020204030204" pitchFamily="49" charset="0"/>
+              </a:rPr>
+              <a:t>    {</a:t>
+            </a:r>
+          </a:p>
+          <a:p>
+            <a:r>
+              <a:rPr lang="pt-BR" b="0" dirty="0">
+                <a:solidFill>
+                  <a:srgbClr val="D1D4E0"/>
+                </a:solidFill>
+                <a:effectLst/>
+                <a:latin typeface="Consolas" panose="020B0609020204030204" pitchFamily="49" charset="0"/>
+              </a:rPr>
+              <a:t>        </a:t>
+            </a:r>
+            <a:r>
+              <a:rPr lang="pt-BR" b="0" dirty="0">
+                <a:solidFill>
+                  <a:srgbClr val="E0E97C"/>
+                </a:solidFill>
+                <a:effectLst/>
+                <a:latin typeface="Consolas" panose="020B0609020204030204" pitchFamily="49" charset="0"/>
+              </a:rPr>
+              <a:t>'Pergunta'</a:t>
+            </a:r>
+            <a:r>
+              <a:rPr lang="pt-BR" b="0" dirty="0">
+                <a:solidFill>
+                  <a:srgbClr val="D1D4E0"/>
+                </a:solidFill>
+                <a:effectLst/>
+                <a:latin typeface="Consolas" panose="020B0609020204030204" pitchFamily="49" charset="0"/>
+              </a:rPr>
+              <a:t>: </a:t>
+            </a:r>
+            <a:r>
+              <a:rPr lang="pt-BR" b="0" dirty="0">
+                <a:solidFill>
+                  <a:srgbClr val="E0E97C"/>
+                </a:solidFill>
+                <a:effectLst/>
+                <a:latin typeface="Consolas" panose="020B0609020204030204" pitchFamily="49" charset="0"/>
+              </a:rPr>
+              <a:t>'Quanto é 5*5?'</a:t>
+            </a:r>
+            <a:r>
+              <a:rPr lang="pt-BR" b="0" dirty="0">
+                <a:solidFill>
+                  <a:srgbClr val="D1D4E0"/>
+                </a:solidFill>
+                <a:effectLst/>
+                <a:latin typeface="Consolas" panose="020B0609020204030204" pitchFamily="49" charset="0"/>
+              </a:rPr>
+              <a:t>,</a:t>
+            </a:r>
+          </a:p>
+          <a:p>
+            <a:r>
+              <a:rPr lang="pt-BR" b="0" dirty="0">
+                <a:solidFill>
+                  <a:srgbClr val="D1D4E0"/>
+                </a:solidFill>
+                <a:effectLst/>
+                <a:latin typeface="Consolas" panose="020B0609020204030204" pitchFamily="49" charset="0"/>
+              </a:rPr>
+              <a:t>        </a:t>
+            </a:r>
+            <a:r>
+              <a:rPr lang="pt-BR" b="0" dirty="0">
+                <a:solidFill>
+                  <a:srgbClr val="E0E97C"/>
+                </a:solidFill>
+                <a:effectLst/>
+                <a:latin typeface="Consolas" panose="020B0609020204030204" pitchFamily="49" charset="0"/>
+              </a:rPr>
+              <a:t>'Opções'</a:t>
+            </a:r>
+            <a:r>
+              <a:rPr lang="pt-BR" b="0" dirty="0">
+                <a:solidFill>
+                  <a:srgbClr val="D1D4E0"/>
+                </a:solidFill>
+                <a:effectLst/>
+                <a:latin typeface="Consolas" panose="020B0609020204030204" pitchFamily="49" charset="0"/>
+              </a:rPr>
+              <a:t>: [</a:t>
+            </a:r>
+            <a:r>
+              <a:rPr lang="pt-BR" b="0" dirty="0">
+                <a:solidFill>
+                  <a:srgbClr val="E0E97C"/>
+                </a:solidFill>
+                <a:effectLst/>
+                <a:latin typeface="Consolas" panose="020B0609020204030204" pitchFamily="49" charset="0"/>
+              </a:rPr>
+              <a:t>'25'</a:t>
+            </a:r>
+            <a:r>
+              <a:rPr lang="pt-BR" b="0" dirty="0">
+                <a:solidFill>
+                  <a:srgbClr val="D1D4E0"/>
+                </a:solidFill>
+                <a:effectLst/>
+                <a:latin typeface="Consolas" panose="020B0609020204030204" pitchFamily="49" charset="0"/>
+              </a:rPr>
+              <a:t>, </a:t>
+            </a:r>
+            <a:r>
+              <a:rPr lang="pt-BR" b="0" dirty="0">
+                <a:solidFill>
+                  <a:srgbClr val="E0E97C"/>
+                </a:solidFill>
+                <a:effectLst/>
+                <a:latin typeface="Consolas" panose="020B0609020204030204" pitchFamily="49" charset="0"/>
+              </a:rPr>
+              <a:t>'55'</a:t>
+            </a:r>
+            <a:r>
+              <a:rPr lang="pt-BR" b="0" dirty="0">
+                <a:solidFill>
+                  <a:srgbClr val="D1D4E0"/>
+                </a:solidFill>
+                <a:effectLst/>
+                <a:latin typeface="Consolas" panose="020B0609020204030204" pitchFamily="49" charset="0"/>
+              </a:rPr>
+              <a:t>, </a:t>
+            </a:r>
+            <a:r>
+              <a:rPr lang="pt-BR" b="0" dirty="0">
+                <a:solidFill>
+                  <a:srgbClr val="E0E97C"/>
+                </a:solidFill>
+                <a:effectLst/>
+                <a:latin typeface="Consolas" panose="020B0609020204030204" pitchFamily="49" charset="0"/>
+              </a:rPr>
+              <a:t>'10'</a:t>
+            </a:r>
+            <a:r>
+              <a:rPr lang="pt-BR" b="0" dirty="0">
+                <a:solidFill>
+                  <a:srgbClr val="D1D4E0"/>
+                </a:solidFill>
+                <a:effectLst/>
+                <a:latin typeface="Consolas" panose="020B0609020204030204" pitchFamily="49" charset="0"/>
+              </a:rPr>
+              <a:t>, </a:t>
+            </a:r>
+            <a:r>
+              <a:rPr lang="pt-BR" b="0" dirty="0">
+                <a:solidFill>
+                  <a:srgbClr val="E0E97C"/>
+                </a:solidFill>
+                <a:effectLst/>
+                <a:latin typeface="Consolas" panose="020B0609020204030204" pitchFamily="49" charset="0"/>
+              </a:rPr>
+              <a:t>'51'</a:t>
+            </a:r>
+            <a:r>
+              <a:rPr lang="pt-BR" b="0" dirty="0">
+                <a:solidFill>
+                  <a:srgbClr val="D1D4E0"/>
+                </a:solidFill>
+                <a:effectLst/>
+                <a:latin typeface="Consolas" panose="020B0609020204030204" pitchFamily="49" charset="0"/>
+              </a:rPr>
+              <a:t>],</a:t>
+            </a:r>
+          </a:p>
+          <a:p>
+            <a:r>
+              <a:rPr lang="pt-BR" b="0" dirty="0">
+                <a:solidFill>
+                  <a:srgbClr val="D1D4E0"/>
+                </a:solidFill>
+                <a:effectLst/>
+                <a:latin typeface="Consolas" panose="020B0609020204030204" pitchFamily="49" charset="0"/>
+              </a:rPr>
+              <a:t>        </a:t>
+            </a:r>
+            <a:r>
+              <a:rPr lang="pt-BR" b="0" dirty="0">
+                <a:solidFill>
+                  <a:srgbClr val="E0E97C"/>
+                </a:solidFill>
+                <a:effectLst/>
+                <a:latin typeface="Consolas" panose="020B0609020204030204" pitchFamily="49" charset="0"/>
+              </a:rPr>
+              <a:t>'Resposta'</a:t>
+            </a:r>
+            <a:r>
+              <a:rPr lang="pt-BR" b="0" dirty="0">
+                <a:solidFill>
+                  <a:srgbClr val="D1D4E0"/>
+                </a:solidFill>
+                <a:effectLst/>
+                <a:latin typeface="Consolas" panose="020B0609020204030204" pitchFamily="49" charset="0"/>
+              </a:rPr>
+              <a:t>: </a:t>
+            </a:r>
+            <a:r>
+              <a:rPr lang="pt-BR" b="0" dirty="0">
+                <a:solidFill>
+                  <a:srgbClr val="E0E97C"/>
+                </a:solidFill>
+                <a:effectLst/>
+                <a:latin typeface="Consolas" panose="020B0609020204030204" pitchFamily="49" charset="0"/>
+              </a:rPr>
+              <a:t>'25'</a:t>
+            </a:r>
+            <a:r>
+              <a:rPr lang="pt-BR" b="0" dirty="0">
+                <a:solidFill>
+                  <a:srgbClr val="D1D4E0"/>
+                </a:solidFill>
+                <a:effectLst/>
+                <a:latin typeface="Consolas" panose="020B0609020204030204" pitchFamily="49" charset="0"/>
+              </a:rPr>
+              <a:t>,</a:t>
+            </a:r>
+          </a:p>
+          <a:p>
+            <a:r>
+              <a:rPr lang="pt-BR" b="0" dirty="0">
+                <a:solidFill>
+                  <a:srgbClr val="D1D4E0"/>
+                </a:solidFill>
+                <a:effectLst/>
+                <a:latin typeface="Consolas" panose="020B0609020204030204" pitchFamily="49" charset="0"/>
+              </a:rPr>
+              <a:t>    },</a:t>
+            </a:r>
+          </a:p>
+          <a:p>
+            <a:r>
+              <a:rPr lang="pt-BR" b="0" dirty="0">
+                <a:solidFill>
+                  <a:srgbClr val="D1D4E0"/>
+                </a:solidFill>
+                <a:effectLst/>
+                <a:latin typeface="Consolas" panose="020B0609020204030204" pitchFamily="49" charset="0"/>
+              </a:rPr>
+              <a:t>    {</a:t>
+            </a:r>
+          </a:p>
+          <a:p>
+            <a:r>
+              <a:rPr lang="pt-BR" b="0" dirty="0">
+                <a:solidFill>
+                  <a:srgbClr val="D1D4E0"/>
+                </a:solidFill>
+                <a:effectLst/>
+                <a:latin typeface="Consolas" panose="020B0609020204030204" pitchFamily="49" charset="0"/>
+              </a:rPr>
+              <a:t>        </a:t>
+            </a:r>
+            <a:r>
+              <a:rPr lang="pt-BR" b="0" dirty="0">
+                <a:solidFill>
+                  <a:srgbClr val="E0E97C"/>
+                </a:solidFill>
+                <a:effectLst/>
+                <a:latin typeface="Consolas" panose="020B0609020204030204" pitchFamily="49" charset="0"/>
+              </a:rPr>
+              <a:t>'Pergunta'</a:t>
+            </a:r>
+            <a:r>
+              <a:rPr lang="pt-BR" b="0" dirty="0">
+                <a:solidFill>
+                  <a:srgbClr val="D1D4E0"/>
+                </a:solidFill>
+                <a:effectLst/>
+                <a:latin typeface="Consolas" panose="020B0609020204030204" pitchFamily="49" charset="0"/>
+              </a:rPr>
+              <a:t>: </a:t>
+            </a:r>
+            <a:r>
+              <a:rPr lang="pt-BR" b="0" dirty="0">
+                <a:solidFill>
+                  <a:srgbClr val="E0E97C"/>
+                </a:solidFill>
+                <a:effectLst/>
+                <a:latin typeface="Consolas" panose="020B0609020204030204" pitchFamily="49" charset="0"/>
+              </a:rPr>
+              <a:t>'Quanto é 10/2?'</a:t>
+            </a:r>
+            <a:r>
+              <a:rPr lang="pt-BR" b="0" dirty="0">
+                <a:solidFill>
+                  <a:srgbClr val="D1D4E0"/>
+                </a:solidFill>
+                <a:effectLst/>
+                <a:latin typeface="Consolas" panose="020B0609020204030204" pitchFamily="49" charset="0"/>
+              </a:rPr>
+              <a:t>,</a:t>
+            </a:r>
+          </a:p>
+          <a:p>
+            <a:r>
+              <a:rPr lang="pt-BR" b="0" dirty="0">
+                <a:solidFill>
+                  <a:srgbClr val="D1D4E0"/>
+                </a:solidFill>
+                <a:effectLst/>
+                <a:latin typeface="Consolas" panose="020B0609020204030204" pitchFamily="49" charset="0"/>
+              </a:rPr>
+              <a:t>        </a:t>
+            </a:r>
+            <a:r>
+              <a:rPr lang="pt-BR" b="0" dirty="0">
+                <a:solidFill>
+                  <a:srgbClr val="E0E97C"/>
+                </a:solidFill>
+                <a:effectLst/>
+                <a:latin typeface="Consolas" panose="020B0609020204030204" pitchFamily="49" charset="0"/>
+              </a:rPr>
+              <a:t>'Opções'</a:t>
+            </a:r>
+            <a:r>
+              <a:rPr lang="pt-BR" b="0" dirty="0">
+                <a:solidFill>
+                  <a:srgbClr val="D1D4E0"/>
+                </a:solidFill>
+                <a:effectLst/>
+                <a:latin typeface="Consolas" panose="020B0609020204030204" pitchFamily="49" charset="0"/>
+              </a:rPr>
+              <a:t>: [</a:t>
+            </a:r>
+            <a:r>
+              <a:rPr lang="pt-BR" b="0" dirty="0">
+                <a:solidFill>
+                  <a:srgbClr val="E0E97C"/>
+                </a:solidFill>
+                <a:effectLst/>
+                <a:latin typeface="Consolas" panose="020B0609020204030204" pitchFamily="49" charset="0"/>
+              </a:rPr>
+              <a:t>'4'</a:t>
+            </a:r>
+            <a:r>
+              <a:rPr lang="pt-BR" b="0" dirty="0">
+                <a:solidFill>
+                  <a:srgbClr val="D1D4E0"/>
+                </a:solidFill>
+                <a:effectLst/>
+                <a:latin typeface="Consolas" panose="020B0609020204030204" pitchFamily="49" charset="0"/>
+              </a:rPr>
+              <a:t>, </a:t>
+            </a:r>
+            <a:r>
+              <a:rPr lang="pt-BR" b="0" dirty="0">
+                <a:solidFill>
+                  <a:srgbClr val="E0E97C"/>
+                </a:solidFill>
+                <a:effectLst/>
+                <a:latin typeface="Consolas" panose="020B0609020204030204" pitchFamily="49" charset="0"/>
+              </a:rPr>
+              <a:t>'5'</a:t>
+            </a:r>
+            <a:r>
+              <a:rPr lang="pt-BR" b="0" dirty="0">
+                <a:solidFill>
+                  <a:srgbClr val="D1D4E0"/>
+                </a:solidFill>
+                <a:effectLst/>
+                <a:latin typeface="Consolas" panose="020B0609020204030204" pitchFamily="49" charset="0"/>
+              </a:rPr>
+              <a:t>, </a:t>
+            </a:r>
+            <a:r>
+              <a:rPr lang="pt-BR" b="0" dirty="0">
+                <a:solidFill>
+                  <a:srgbClr val="E0E97C"/>
+                </a:solidFill>
+                <a:effectLst/>
+                <a:latin typeface="Consolas" panose="020B0609020204030204" pitchFamily="49" charset="0"/>
+              </a:rPr>
+              <a:t>'2'</a:t>
+            </a:r>
+            <a:r>
+              <a:rPr lang="pt-BR" b="0" dirty="0">
+                <a:solidFill>
+                  <a:srgbClr val="D1D4E0"/>
+                </a:solidFill>
+                <a:effectLst/>
+                <a:latin typeface="Consolas" panose="020B0609020204030204" pitchFamily="49" charset="0"/>
+              </a:rPr>
+              <a:t>, </a:t>
+            </a:r>
+            <a:r>
+              <a:rPr lang="pt-BR" b="0" dirty="0">
+                <a:solidFill>
+                  <a:srgbClr val="E0E97C"/>
+                </a:solidFill>
+                <a:effectLst/>
+                <a:latin typeface="Consolas" panose="020B0609020204030204" pitchFamily="49" charset="0"/>
+              </a:rPr>
+              <a:t>'1'</a:t>
+            </a:r>
+            <a:r>
+              <a:rPr lang="pt-BR" b="0" dirty="0">
+                <a:solidFill>
+                  <a:srgbClr val="D1D4E0"/>
+                </a:solidFill>
+                <a:effectLst/>
+                <a:latin typeface="Consolas" panose="020B0609020204030204" pitchFamily="49" charset="0"/>
+              </a:rPr>
+              <a:t>],</a:t>
+            </a:r>
+          </a:p>
+          <a:p>
+            <a:r>
+              <a:rPr lang="pt-BR" b="0" dirty="0">
+                <a:solidFill>
+                  <a:srgbClr val="D1D4E0"/>
+                </a:solidFill>
+                <a:effectLst/>
+                <a:latin typeface="Consolas" panose="020B0609020204030204" pitchFamily="49" charset="0"/>
+              </a:rPr>
+              <a:t>        </a:t>
+            </a:r>
+            <a:r>
+              <a:rPr lang="pt-BR" b="0" dirty="0">
+                <a:solidFill>
+                  <a:srgbClr val="E0E97C"/>
+                </a:solidFill>
+                <a:effectLst/>
+                <a:latin typeface="Consolas" panose="020B0609020204030204" pitchFamily="49" charset="0"/>
+              </a:rPr>
+              <a:t>'Resposta'</a:t>
+            </a:r>
+            <a:r>
+              <a:rPr lang="pt-BR" b="0" dirty="0">
+                <a:solidFill>
+                  <a:srgbClr val="D1D4E0"/>
+                </a:solidFill>
+                <a:effectLst/>
+                <a:latin typeface="Consolas" panose="020B0609020204030204" pitchFamily="49" charset="0"/>
+              </a:rPr>
+              <a:t>: </a:t>
+            </a:r>
+            <a:r>
+              <a:rPr lang="pt-BR" b="0" dirty="0">
+                <a:solidFill>
+                  <a:srgbClr val="E0E97C"/>
+                </a:solidFill>
+                <a:effectLst/>
+                <a:latin typeface="Consolas" panose="020B0609020204030204" pitchFamily="49" charset="0"/>
+              </a:rPr>
+              <a:t>'5'</a:t>
+            </a:r>
+            <a:r>
+              <a:rPr lang="pt-BR" b="0" dirty="0">
+                <a:solidFill>
+                  <a:srgbClr val="D1D4E0"/>
+                </a:solidFill>
+                <a:effectLst/>
+                <a:latin typeface="Consolas" panose="020B0609020204030204" pitchFamily="49" charset="0"/>
+              </a:rPr>
+              <a:t>,</a:t>
+            </a:r>
+          </a:p>
+          <a:p>
+            <a:r>
+              <a:rPr lang="pt-BR" b="0" dirty="0">
+                <a:solidFill>
+                  <a:srgbClr val="D1D4E0"/>
+                </a:solidFill>
+                <a:effectLst/>
+                <a:latin typeface="Consolas" panose="020B0609020204030204" pitchFamily="49" charset="0"/>
+              </a:rPr>
+              <a:t>    },</a:t>
+            </a:r>
+          </a:p>
+          <a:p>
+            <a:r>
+              <a:rPr lang="pt-BR" b="0" dirty="0">
+                <a:solidFill>
+                  <a:srgbClr val="D1D4E0"/>
+                </a:solidFill>
+                <a:effectLst/>
+                <a:latin typeface="Consolas" panose="020B0609020204030204" pitchFamily="49" charset="0"/>
+              </a:rPr>
+              <a:t>]</a:t>
+            </a:r>
+          </a:p>
+        </p:txBody>
+      </p:sp>
+    </p:spTree>
+    <p:extLst>
+      <p:ext uri="{BB962C8B-B14F-4D97-AF65-F5344CB8AC3E}">
+        <p14:creationId xmlns:p14="http://schemas.microsoft.com/office/powerpoint/2010/main" val="3423231205"/>
+      </p:ext>
+    </p:extLst>
+  </p:cSld>
+  <p:clrMapOvr>
+    <a:masterClrMapping/>
+  </p:clrMapOvr>
+</p:sld>
+</file>
+
 <file path=ppt/theme/theme1.xml><?xml version="1.0" encoding="utf-8"?>
 <a:theme xmlns:a="http://schemas.openxmlformats.org/drawingml/2006/main" name="Selo">
   <a:themeElements>
